--- a/Project2/Project2PPT.pptx
+++ b/Project2/Project2PPT.pptx
@@ -214,7 +214,7 @@
           <a:p>
             <a:fld id="{2BC186CC-A620-1249-8743-AADA554DCE35}" type="datetimeFigureOut">
               <a:rPr lang="en-US" smtClean="0"/>
-              <a:t>1/31/18</a:t>
+              <a:t>2/1/18</a:t>
             </a:fld>
             <a:endParaRPr lang="en-US"/>
           </a:p>
@@ -1634,7 +1634,7 @@
             <a:fld id="{B61BEF0D-F0BB-DE4B-95CE-6DB70DBA9567}" type="datetimeFigureOut">
               <a:rPr lang="en-US" smtClean="0"/>
               <a:pPr/>
-              <a:t>1/31/18</a:t>
+              <a:t>2/1/18</a:t>
             </a:fld>
             <a:endParaRPr lang="en-US" dirty="0"/>
           </a:p>
@@ -1878,7 +1878,7 @@
             <a:fld id="{B61BEF0D-F0BB-DE4B-95CE-6DB70DBA9567}" type="datetimeFigureOut">
               <a:rPr lang="en-US" smtClean="0"/>
               <a:pPr/>
-              <a:t>1/31/18</a:t>
+              <a:t>2/1/18</a:t>
             </a:fld>
             <a:endParaRPr lang="en-US" dirty="0"/>
           </a:p>
@@ -2261,7 +2261,7 @@
             <a:fld id="{B61BEF0D-F0BB-DE4B-95CE-6DB70DBA9567}" type="datetimeFigureOut">
               <a:rPr lang="en-US" smtClean="0"/>
               <a:pPr/>
-              <a:t>1/31/18</a:t>
+              <a:t>2/1/18</a:t>
             </a:fld>
             <a:endParaRPr lang="en-US" dirty="0"/>
           </a:p>
@@ -2487,7 +2487,7 @@
             <a:fld id="{B61BEF0D-F0BB-DE4B-95CE-6DB70DBA9567}" type="datetimeFigureOut">
               <a:rPr lang="en-US" smtClean="0"/>
               <a:pPr/>
-              <a:t>1/31/18</a:t>
+              <a:t>2/1/18</a:t>
             </a:fld>
             <a:endParaRPr lang="en-US" dirty="0"/>
           </a:p>
@@ -2975,7 +2975,7 @@
             <a:fld id="{B61BEF0D-F0BB-DE4B-95CE-6DB70DBA9567}" type="datetimeFigureOut">
               <a:rPr lang="en-US" smtClean="0"/>
               <a:pPr/>
-              <a:t>1/31/18</a:t>
+              <a:t>2/1/18</a:t>
             </a:fld>
             <a:endParaRPr lang="en-US" dirty="0"/>
           </a:p>
@@ -3282,7 +3282,7 @@
             <a:fld id="{B61BEF0D-F0BB-DE4B-95CE-6DB70DBA9567}" type="datetimeFigureOut">
               <a:rPr lang="en-US" smtClean="0"/>
               <a:pPr/>
-              <a:t>1/31/18</a:t>
+              <a:t>2/1/18</a:t>
             </a:fld>
             <a:endParaRPr lang="en-US" dirty="0"/>
           </a:p>
@@ -3670,7 +3670,7 @@
             <a:fld id="{B61BEF0D-F0BB-DE4B-95CE-6DB70DBA9567}" type="datetimeFigureOut">
               <a:rPr lang="en-US" smtClean="0"/>
               <a:pPr/>
-              <a:t>1/31/18</a:t>
+              <a:t>2/1/18</a:t>
             </a:fld>
             <a:endParaRPr lang="en-US" dirty="0"/>
           </a:p>
@@ -3785,7 +3785,7 @@
             <a:fld id="{B61BEF0D-F0BB-DE4B-95CE-6DB70DBA9567}" type="datetimeFigureOut">
               <a:rPr lang="en-US" smtClean="0"/>
               <a:pPr/>
-              <a:t>1/31/18</a:t>
+              <a:t>2/1/18</a:t>
             </a:fld>
             <a:endParaRPr lang="en-US" dirty="0"/>
           </a:p>
@@ -3877,7 +3877,7 @@
             <a:fld id="{B61BEF0D-F0BB-DE4B-95CE-6DB70DBA9567}" type="datetimeFigureOut">
               <a:rPr lang="en-US" smtClean="0"/>
               <a:pPr/>
-              <a:t>1/31/18</a:t>
+              <a:t>2/1/18</a:t>
             </a:fld>
             <a:endParaRPr lang="en-US" dirty="0"/>
           </a:p>
@@ -4179,7 +4179,7 @@
             <a:fld id="{B61BEF0D-F0BB-DE4B-95CE-6DB70DBA9567}" type="datetimeFigureOut">
               <a:rPr lang="en-US" smtClean="0"/>
               <a:pPr/>
-              <a:t>1/31/18</a:t>
+              <a:t>2/1/18</a:t>
             </a:fld>
             <a:endParaRPr lang="en-US" dirty="0"/>
           </a:p>
@@ -4446,7 +4446,7 @@
             <a:fld id="{B61BEF0D-F0BB-DE4B-95CE-6DB70DBA9567}" type="datetimeFigureOut">
               <a:rPr lang="en-US" smtClean="0"/>
               <a:pPr/>
-              <a:t>1/31/18</a:t>
+              <a:t>2/1/18</a:t>
             </a:fld>
             <a:endParaRPr lang="en-US" dirty="0"/>
           </a:p>
@@ -4861,7 +4861,7 @@
             <a:fld id="{B61BEF0D-F0BB-DE4B-95CE-6DB70DBA9567}" type="datetimeFigureOut">
               <a:rPr lang="en-US" smtClean="0"/>
               <a:pPr/>
-              <a:t>1/31/18</a:t>
+              <a:t>2/1/18</a:t>
             </a:fld>
             <a:endParaRPr lang="en-US" dirty="0"/>
           </a:p>
@@ -5740,8 +5740,8 @@
           </a:p>
         </p:txBody>
       </p:sp>
-      <mc:AlternateContent xmlns:mc="http://schemas.openxmlformats.org/markup-compatibility/2006">
-        <mc:Choice xmlns:a14="http://schemas.microsoft.com/office/drawing/2010/main" Requires="a14">
+      <mc:AlternateContent xmlns:mc="http://schemas.openxmlformats.org/markup-compatibility/2006" xmlns:a14="http://schemas.microsoft.com/office/drawing/2010/main">
+        <mc:Choice Requires="a14">
           <p:sp>
             <p:nvSpPr>
               <p:cNvPr id="3" name="Content Placeholder 2"/>
@@ -5880,7 +5880,7 @@
             </p:txBody>
           </p:sp>
         </mc:Choice>
-        <mc:Fallback>
+        <mc:Fallback xmlns="">
           <p:sp>
             <p:nvSpPr>
               <p:cNvPr id="3" name="Content Placeholder 2"/>
@@ -6648,8 +6648,8 @@
           </a:graphicData>
         </a:graphic>
       </p:graphicFrame>
-      <mc:AlternateContent xmlns:mc="http://schemas.openxmlformats.org/markup-compatibility/2006">
-        <mc:Choice xmlns:a14="http://schemas.microsoft.com/office/drawing/2010/main" Requires="a14">
+      <mc:AlternateContent xmlns:mc="http://schemas.openxmlformats.org/markup-compatibility/2006" xmlns:a14="http://schemas.microsoft.com/office/drawing/2010/main">
+        <mc:Choice Requires="a14">
           <p:sp>
             <p:nvSpPr>
               <p:cNvPr id="5" name="TextBox 4"/>
@@ -6745,7 +6745,7 @@
             </p:txBody>
           </p:sp>
         </mc:Choice>
-        <mc:Fallback>
+        <mc:Fallback xmlns="">
           <p:sp>
             <p:nvSpPr>
               <p:cNvPr id="5" name="TextBox 4"/>
@@ -7256,7 +7256,7 @@
       </p:pic>
       <p:pic>
         <p:nvPicPr>
-          <p:cNvPr id="18" name="Picture 17"/>
+          <p:cNvPr id="19" name="Picture 18"/>
           <p:cNvPicPr>
             <a:picLocks noChangeAspect="1"/>
           </p:cNvPicPr>
@@ -7276,17 +7276,77 @@
         </p:blipFill>
         <p:spPr>
           <a:xfrm>
-            <a:off x="2110516" y="4157810"/>
-            <a:ext cx="3455258" cy="2459382"/>
+            <a:off x="2071687" y="1558604"/>
+            <a:ext cx="3494087" cy="2427654"/>
           </a:xfrm>
           <a:prstGeom prst="rect">
             <a:avLst/>
           </a:prstGeom>
         </p:spPr>
       </p:pic>
+      <p:sp>
+        <p:nvSpPr>
+          <p:cNvPr id="20" name="TextBox 19"/>
+          <p:cNvSpPr txBox="1"/>
+          <p:nvPr/>
+        </p:nvSpPr>
+        <p:spPr>
+          <a:xfrm rot="16200000">
+            <a:off x="957263" y="3529013"/>
+            <a:ext cx="1343638" cy="369332"/>
+          </a:xfrm>
+          <a:prstGeom prst="rect">
+            <a:avLst/>
+          </a:prstGeom>
+          <a:noFill/>
+        </p:spPr>
+        <p:txBody>
+          <a:bodyPr wrap="none" rtlCol="0">
+            <a:spAutoFit/>
+          </a:bodyPr>
+          <a:lstStyle/>
+          <a:p>
+            <a:r>
+              <a:rPr lang="en-US" dirty="0" err="1" smtClean="0"/>
+              <a:t>statsmodels</a:t>
+            </a:r>
+            <a:endParaRPr lang="en-US" dirty="0"/>
+          </a:p>
+        </p:txBody>
+      </p:sp>
+      <p:sp>
+        <p:nvSpPr>
+          <p:cNvPr id="21" name="TextBox 20"/>
+          <p:cNvSpPr txBox="1"/>
+          <p:nvPr/>
+        </p:nvSpPr>
+        <p:spPr>
+          <a:xfrm rot="5400000">
+            <a:off x="10272712" y="3552857"/>
+            <a:ext cx="870751" cy="369332"/>
+          </a:xfrm>
+          <a:prstGeom prst="rect">
+            <a:avLst/>
+          </a:prstGeom>
+          <a:noFill/>
+        </p:spPr>
+        <p:txBody>
+          <a:bodyPr wrap="none" rtlCol="0">
+            <a:spAutoFit/>
+          </a:bodyPr>
+          <a:lstStyle/>
+          <a:p>
+            <a:r>
+              <a:rPr lang="en-US" dirty="0" err="1" smtClean="0"/>
+              <a:t>sklearn</a:t>
+            </a:r>
+            <a:endParaRPr lang="en-US" dirty="0"/>
+          </a:p>
+        </p:txBody>
+      </p:sp>
       <p:pic>
         <p:nvPicPr>
-          <p:cNvPr id="19" name="Picture 18"/>
+          <p:cNvPr id="3" name="Picture 2"/>
           <p:cNvPicPr>
             <a:picLocks noChangeAspect="1"/>
           </p:cNvPicPr>
@@ -7306,74 +7366,14 @@
         </p:blipFill>
         <p:spPr>
           <a:xfrm>
-            <a:off x="2071687" y="1558604"/>
-            <a:ext cx="3494087" cy="2427654"/>
+            <a:off x="2266071" y="4156783"/>
+            <a:ext cx="3299704" cy="2481240"/>
           </a:xfrm>
           <a:prstGeom prst="rect">
             <a:avLst/>
           </a:prstGeom>
         </p:spPr>
       </p:pic>
-      <p:sp>
-        <p:nvSpPr>
-          <p:cNvPr id="20" name="TextBox 19"/>
-          <p:cNvSpPr txBox="1"/>
-          <p:nvPr/>
-        </p:nvSpPr>
-        <p:spPr>
-          <a:xfrm rot="16200000">
-            <a:off x="957263" y="3529013"/>
-            <a:ext cx="1343638" cy="369332"/>
-          </a:xfrm>
-          <a:prstGeom prst="rect">
-            <a:avLst/>
-          </a:prstGeom>
-          <a:noFill/>
-        </p:spPr>
-        <p:txBody>
-          <a:bodyPr wrap="none" rtlCol="0">
-            <a:spAutoFit/>
-          </a:bodyPr>
-          <a:lstStyle/>
-          <a:p>
-            <a:r>
-              <a:rPr lang="en-US" dirty="0" err="1" smtClean="0"/>
-              <a:t>statsmodels</a:t>
-            </a:r>
-            <a:endParaRPr lang="en-US" dirty="0"/>
-          </a:p>
-        </p:txBody>
-      </p:sp>
-      <p:sp>
-        <p:nvSpPr>
-          <p:cNvPr id="21" name="TextBox 20"/>
-          <p:cNvSpPr txBox="1"/>
-          <p:nvPr/>
-        </p:nvSpPr>
-        <p:spPr>
-          <a:xfrm rot="5400000">
-            <a:off x="10272712" y="3552857"/>
-            <a:ext cx="870751" cy="369332"/>
-          </a:xfrm>
-          <a:prstGeom prst="rect">
-            <a:avLst/>
-          </a:prstGeom>
-          <a:noFill/>
-        </p:spPr>
-        <p:txBody>
-          <a:bodyPr wrap="none" rtlCol="0">
-            <a:spAutoFit/>
-          </a:bodyPr>
-          <a:lstStyle/>
-          <a:p>
-            <a:r>
-              <a:rPr lang="en-US" dirty="0" err="1" smtClean="0"/>
-              <a:t>sklearn</a:t>
-            </a:r>
-            <a:endParaRPr lang="en-US" dirty="0"/>
-          </a:p>
-        </p:txBody>
-      </p:sp>
     </p:spTree>
     <p:extLst>
       <p:ext uri="{BB962C8B-B14F-4D97-AF65-F5344CB8AC3E}">

--- a/Project2/Project2PPT.pptx
+++ b/Project2/Project2PPT.pptx
@@ -526,36 +526,6 @@
           <a:bodyPr/>
           <a:lstStyle/>
           <a:p>
-            <a:pPr marL="0" marR="0" indent="0" algn="l" defTabSz="914400" rtl="0" eaLnBrk="1" fontAlgn="auto" latinLnBrk="0" hangingPunct="1">
-              <a:lnSpc>
-                <a:spcPct val="100000"/>
-              </a:lnSpc>
-              <a:spcBef>
-                <a:spcPts val="0"/>
-              </a:spcBef>
-              <a:spcAft>
-                <a:spcPts val="0"/>
-              </a:spcAft>
-              <a:buClrTx/>
-              <a:buSzTx/>
-              <a:buFontTx/>
-              <a:buNone/>
-              <a:tabLst/>
-              <a:defRPr/>
-            </a:pPr>
-            <a:r>
-              <a:rPr lang="en-US" sz="1200" kern="1200" dirty="0" smtClean="0">
-                <a:solidFill>
-                  <a:schemeClr val="tx1"/>
-                </a:solidFill>
-                <a:latin typeface="+mn-lt"/>
-                <a:ea typeface="+mn-ea"/>
-                <a:cs typeface="+mn-cs"/>
-              </a:rPr>
-              <a:t>89 rows x 29 columns originally</a:t>
-            </a:r>
-          </a:p>
-          <a:p>
             <a:endParaRPr lang="en-US" dirty="0"/>
           </a:p>
         </p:txBody>
@@ -577,7 +547,7 @@
           <a:p>
             <a:fld id="{9C36C389-3042-7342-8948-F7B7CDF8B177}" type="slidenum">
               <a:rPr lang="en-US" smtClean="0"/>
-              <a:t>4</a:t>
+              <a:t>3</a:t>
             </a:fld>
             <a:endParaRPr lang="en-US"/>
           </a:p>
@@ -586,7 +556,7 @@
     </p:spTree>
     <p:extLst>
       <p:ext uri="{BB962C8B-B14F-4D97-AF65-F5344CB8AC3E}">
-        <p14:creationId xmlns:p14="http://schemas.microsoft.com/office/powerpoint/2010/main" val="1758445733"/>
+        <p14:creationId xmlns:p14="http://schemas.microsoft.com/office/powerpoint/2010/main" val="950603054"/>
       </p:ext>
     </p:extLst>
   </p:cSld>
@@ -640,38 +610,37 @@
           <a:bodyPr/>
           <a:lstStyle/>
           <a:p>
-            <a:r>
-              <a:rPr lang="en-US" dirty="0" smtClean="0"/>
-              <a:t>Years</a:t>
-            </a:r>
-            <a:r>
-              <a:rPr lang="en-US" baseline="0" dirty="0" smtClean="0"/>
-              <a:t> Active,</a:t>
-            </a:r>
-          </a:p>
-          <a:p>
-            <a:r>
-              <a:rPr lang="en-US" baseline="0" dirty="0" smtClean="0"/>
-              <a:t>Year of First Record,</a:t>
-            </a:r>
-          </a:p>
-          <a:p>
-            <a:r>
-              <a:rPr lang="en-US" baseline="0" dirty="0" smtClean="0"/>
-              <a:t>Claimed Sales</a:t>
-            </a:r>
-          </a:p>
-          <a:p>
-            <a:r>
-              <a:rPr lang="en-US" baseline="0" dirty="0" smtClean="0"/>
-              <a:t>Certified Sales,</a:t>
-            </a:r>
-          </a:p>
-          <a:p>
-            <a:r>
-              <a:rPr lang="en-US" baseline="0" dirty="0" smtClean="0"/>
-              <a:t>AUS, FRA, UK, US</a:t>
-            </a:r>
+            <a:pPr marL="0" marR="0" indent="0" algn="l" defTabSz="914400" rtl="0" eaLnBrk="1" fontAlgn="auto" latinLnBrk="0" hangingPunct="1">
+              <a:lnSpc>
+                <a:spcPct val="100000"/>
+              </a:lnSpc>
+              <a:spcBef>
+                <a:spcPts val="0"/>
+              </a:spcBef>
+              <a:spcAft>
+                <a:spcPts val="0"/>
+              </a:spcAft>
+              <a:buClrTx/>
+              <a:buSzTx/>
+              <a:buFontTx/>
+              <a:buNone/>
+              <a:tabLst/>
+              <a:defRPr/>
+            </a:pPr>
+            <a:r>
+              <a:rPr lang="en-US" sz="1200" kern="1200" dirty="0" smtClean="0">
+                <a:solidFill>
+                  <a:schemeClr val="tx1"/>
+                </a:solidFill>
+                <a:latin typeface="+mn-lt"/>
+                <a:ea typeface="+mn-ea"/>
+                <a:cs typeface="+mn-cs"/>
+              </a:rPr>
+              <a:t>89 rows x 29 columns originally</a:t>
+            </a:r>
+          </a:p>
+          <a:p>
+            <a:endParaRPr lang="en-US" dirty="0"/>
           </a:p>
         </p:txBody>
       </p:sp>
@@ -692,7 +661,7 @@
           <a:p>
             <a:fld id="{9C36C389-3042-7342-8948-F7B7CDF8B177}" type="slidenum">
               <a:rPr lang="en-US" smtClean="0"/>
-              <a:t>5</a:t>
+              <a:t>4</a:t>
             </a:fld>
             <a:endParaRPr lang="en-US"/>
           </a:p>
@@ -701,7 +670,7 @@
     </p:spTree>
     <p:extLst>
       <p:ext uri="{BB962C8B-B14F-4D97-AF65-F5344CB8AC3E}">
-        <p14:creationId xmlns:p14="http://schemas.microsoft.com/office/powerpoint/2010/main" val="1082125580"/>
+        <p14:creationId xmlns:p14="http://schemas.microsoft.com/office/powerpoint/2010/main" val="1758445733"/>
       </p:ext>
     </p:extLst>
   </p:cSld>
@@ -788,9 +757,6 @@
               <a:t>AUS, FRA, UK, US</a:t>
             </a:r>
           </a:p>
-          <a:p>
-            <a:endParaRPr lang="en-US" dirty="0"/>
-          </a:p>
         </p:txBody>
       </p:sp>
       <p:sp>
@@ -810,7 +776,7 @@
           <a:p>
             <a:fld id="{9C36C389-3042-7342-8948-F7B7CDF8B177}" type="slidenum">
               <a:rPr lang="en-US" smtClean="0"/>
-              <a:t>6</a:t>
+              <a:t>5</a:t>
             </a:fld>
             <a:endParaRPr lang="en-US"/>
           </a:p>
@@ -819,7 +785,7 @@
     </p:spTree>
     <p:extLst>
       <p:ext uri="{BB962C8B-B14F-4D97-AF65-F5344CB8AC3E}">
-        <p14:creationId xmlns:p14="http://schemas.microsoft.com/office/powerpoint/2010/main" val="985354880"/>
+        <p14:creationId xmlns:p14="http://schemas.microsoft.com/office/powerpoint/2010/main" val="1082125580"/>
       </p:ext>
     </p:extLst>
   </p:cSld>
@@ -873,138 +839,37 @@
           <a:bodyPr/>
           <a:lstStyle/>
           <a:p>
-            <a:pPr marL="285750" indent="-285750">
-              <a:buFont typeface="Arial" charset="0"/>
-              <a:buChar char="•"/>
-            </a:pPr>
-            <a:r>
-              <a:rPr lang="en-US" sz="2000" kern="1200" dirty="0" smtClean="0">
-                <a:solidFill>
-                  <a:schemeClr val="tx1"/>
-                </a:solidFill>
-                <a:latin typeface="+mn-lt"/>
-                <a:ea typeface="+mn-ea"/>
-                <a:cs typeface="+mn-cs"/>
-              </a:rPr>
-              <a:t>Removed Features </a:t>
-            </a:r>
-          </a:p>
-          <a:p>
-            <a:pPr marL="742950" lvl="1" indent="-285750">
-              <a:buFont typeface="Arial" charset="0"/>
-              <a:buChar char="•"/>
-            </a:pPr>
-            <a:r>
-              <a:rPr lang="en-US" sz="2000" kern="1200" dirty="0" smtClean="0">
-                <a:solidFill>
-                  <a:schemeClr val="tx1"/>
-                </a:solidFill>
-                <a:latin typeface="+mn-lt"/>
-                <a:ea typeface="+mn-ea"/>
-                <a:cs typeface="+mn-cs"/>
-              </a:rPr>
-              <a:t>“FRA”</a:t>
-            </a:r>
-          </a:p>
-          <a:p>
-            <a:pPr marL="1200150" lvl="2" indent="-285750">
-              <a:buFont typeface="Arial" charset="0"/>
-              <a:buChar char="•"/>
-            </a:pPr>
-            <a:r>
-              <a:rPr lang="en-US" sz="2000" kern="1200" dirty="0" smtClean="0">
-                <a:solidFill>
-                  <a:schemeClr val="tx1"/>
-                </a:solidFill>
-                <a:latin typeface="+mn-lt"/>
-                <a:ea typeface="+mn-ea"/>
-                <a:cs typeface="+mn-cs"/>
-              </a:rPr>
-              <a:t>P-Value too low</a:t>
-            </a:r>
-            <a:endParaRPr lang="en-US" sz="1050" kern="1200" dirty="0" smtClean="0">
-              <a:solidFill>
-                <a:schemeClr val="tx1"/>
-              </a:solidFill>
-              <a:latin typeface="+mn-lt"/>
-              <a:ea typeface="+mn-ea"/>
-              <a:cs typeface="+mn-cs"/>
-            </a:endParaRPr>
-          </a:p>
-          <a:p>
-            <a:pPr marL="742950" lvl="1" indent="-285750">
-              <a:buFont typeface="Arial" charset="0"/>
-              <a:buChar char="•"/>
-            </a:pPr>
-            <a:r>
-              <a:rPr lang="en-US" sz="2000" kern="1200" dirty="0" smtClean="0">
-                <a:solidFill>
-                  <a:schemeClr val="tx1"/>
-                </a:solidFill>
-                <a:latin typeface="+mn-lt"/>
-                <a:ea typeface="+mn-ea"/>
-                <a:cs typeface="+mn-cs"/>
-              </a:rPr>
-              <a:t>“UK” </a:t>
-            </a:r>
-          </a:p>
-          <a:p>
-            <a:pPr marL="1200150" lvl="2" indent="-285750">
-              <a:buFont typeface="Arial" charset="0"/>
-              <a:buChar char="•"/>
-            </a:pPr>
-            <a:r>
-              <a:rPr lang="en-US" sz="2000" kern="1200" dirty="0" smtClean="0">
-                <a:solidFill>
-                  <a:schemeClr val="tx1"/>
-                </a:solidFill>
-                <a:latin typeface="+mn-lt"/>
-                <a:ea typeface="+mn-ea"/>
-                <a:cs typeface="+mn-cs"/>
-              </a:rPr>
-              <a:t>P-Value too low</a:t>
-            </a:r>
-            <a:endParaRPr lang="en-US" sz="1050" kern="1200" dirty="0" smtClean="0">
-              <a:solidFill>
-                <a:schemeClr val="tx1"/>
-              </a:solidFill>
-              <a:latin typeface="+mn-lt"/>
-              <a:ea typeface="+mn-ea"/>
-              <a:cs typeface="+mn-cs"/>
-            </a:endParaRPr>
-          </a:p>
-          <a:p>
-            <a:pPr marL="742950" lvl="1" indent="-285750">
-              <a:buFont typeface="Arial" charset="0"/>
-              <a:buChar char="•"/>
-            </a:pPr>
-            <a:r>
-              <a:rPr lang="en-US" sz="2000" kern="1200" dirty="0" smtClean="0">
-                <a:solidFill>
-                  <a:schemeClr val="tx1"/>
-                </a:solidFill>
-                <a:latin typeface="+mn-lt"/>
-                <a:ea typeface="+mn-ea"/>
-                <a:cs typeface="+mn-cs"/>
-              </a:rPr>
-              <a:t>“Years Active”</a:t>
-            </a:r>
-          </a:p>
-          <a:p>
-            <a:pPr marL="1200150" lvl="2" indent="-285750">
-              <a:buFont typeface="Arial" charset="0"/>
-              <a:buChar char="•"/>
-            </a:pPr>
-            <a:r>
-              <a:rPr lang="en-US" sz="2000" kern="1200" dirty="0" smtClean="0">
-                <a:solidFill>
-                  <a:schemeClr val="tx1"/>
-                </a:solidFill>
-                <a:latin typeface="+mn-lt"/>
-                <a:ea typeface="+mn-ea"/>
-                <a:cs typeface="+mn-cs"/>
-              </a:rPr>
-              <a:t>Co-linear with “Start”</a:t>
+            <a:r>
+              <a:rPr lang="en-US" dirty="0" smtClean="0"/>
+              <a:t>Years</a:t>
+            </a:r>
+            <a:r>
+              <a:rPr lang="en-US" baseline="0" dirty="0" smtClean="0"/>
+              <a:t> Active,</a:t>
+            </a:r>
+          </a:p>
+          <a:p>
+            <a:r>
+              <a:rPr lang="en-US" baseline="0" dirty="0" smtClean="0"/>
+              <a:t>Year of First Record,</a:t>
+            </a:r>
+          </a:p>
+          <a:p>
+            <a:r>
+              <a:rPr lang="en-US" baseline="0" dirty="0" smtClean="0"/>
+              <a:t>Claimed Sales</a:t>
+            </a:r>
+          </a:p>
+          <a:p>
+            <a:r>
+              <a:rPr lang="en-US" baseline="0" dirty="0" smtClean="0"/>
+              <a:t>Certified Sales,</a:t>
+            </a:r>
+          </a:p>
+          <a:p>
+            <a:r>
+              <a:rPr lang="en-US" baseline="0" dirty="0" smtClean="0"/>
+              <a:t>AUS, FRA, UK, US</a:t>
             </a:r>
           </a:p>
           <a:p>
@@ -1029,7 +894,7 @@
           <a:p>
             <a:fld id="{9C36C389-3042-7342-8948-F7B7CDF8B177}" type="slidenum">
               <a:rPr lang="en-US" smtClean="0"/>
-              <a:t>7</a:t>
+              <a:t>6</a:t>
             </a:fld>
             <a:endParaRPr lang="en-US"/>
           </a:p>
@@ -1038,7 +903,7 @@
     </p:spTree>
     <p:extLst>
       <p:ext uri="{BB962C8B-B14F-4D97-AF65-F5344CB8AC3E}">
-        <p14:creationId xmlns:p14="http://schemas.microsoft.com/office/powerpoint/2010/main" val="1745527726"/>
+        <p14:creationId xmlns:p14="http://schemas.microsoft.com/office/powerpoint/2010/main" val="985354880"/>
       </p:ext>
     </p:extLst>
   </p:cSld>
@@ -1092,6 +957,225 @@
           <a:bodyPr/>
           <a:lstStyle/>
           <a:p>
+            <a:pPr marL="285750" indent="-285750">
+              <a:buFont typeface="Arial" charset="0"/>
+              <a:buChar char="•"/>
+            </a:pPr>
+            <a:r>
+              <a:rPr lang="en-US" sz="2000" kern="1200" dirty="0" smtClean="0">
+                <a:solidFill>
+                  <a:schemeClr val="tx1"/>
+                </a:solidFill>
+                <a:latin typeface="+mn-lt"/>
+                <a:ea typeface="+mn-ea"/>
+                <a:cs typeface="+mn-cs"/>
+              </a:rPr>
+              <a:t>Removed Features </a:t>
+            </a:r>
+          </a:p>
+          <a:p>
+            <a:pPr marL="742950" lvl="1" indent="-285750">
+              <a:buFont typeface="Arial" charset="0"/>
+              <a:buChar char="•"/>
+            </a:pPr>
+            <a:r>
+              <a:rPr lang="en-US" sz="2000" kern="1200" dirty="0" smtClean="0">
+                <a:solidFill>
+                  <a:schemeClr val="tx1"/>
+                </a:solidFill>
+                <a:latin typeface="+mn-lt"/>
+                <a:ea typeface="+mn-ea"/>
+                <a:cs typeface="+mn-cs"/>
+              </a:rPr>
+              <a:t>“FRA”</a:t>
+            </a:r>
+          </a:p>
+          <a:p>
+            <a:pPr marL="1200150" lvl="2" indent="-285750">
+              <a:buFont typeface="Arial" charset="0"/>
+              <a:buChar char="•"/>
+            </a:pPr>
+            <a:r>
+              <a:rPr lang="en-US" sz="2000" kern="1200" dirty="0" smtClean="0">
+                <a:solidFill>
+                  <a:schemeClr val="tx1"/>
+                </a:solidFill>
+                <a:latin typeface="+mn-lt"/>
+                <a:ea typeface="+mn-ea"/>
+                <a:cs typeface="+mn-cs"/>
+              </a:rPr>
+              <a:t>P-Value too low</a:t>
+            </a:r>
+            <a:endParaRPr lang="en-US" sz="1050" kern="1200" dirty="0" smtClean="0">
+              <a:solidFill>
+                <a:schemeClr val="tx1"/>
+              </a:solidFill>
+              <a:latin typeface="+mn-lt"/>
+              <a:ea typeface="+mn-ea"/>
+              <a:cs typeface="+mn-cs"/>
+            </a:endParaRPr>
+          </a:p>
+          <a:p>
+            <a:pPr marL="742950" lvl="1" indent="-285750">
+              <a:buFont typeface="Arial" charset="0"/>
+              <a:buChar char="•"/>
+            </a:pPr>
+            <a:r>
+              <a:rPr lang="en-US" sz="2000" kern="1200" dirty="0" smtClean="0">
+                <a:solidFill>
+                  <a:schemeClr val="tx1"/>
+                </a:solidFill>
+                <a:latin typeface="+mn-lt"/>
+                <a:ea typeface="+mn-ea"/>
+                <a:cs typeface="+mn-cs"/>
+              </a:rPr>
+              <a:t>“UK” </a:t>
+            </a:r>
+          </a:p>
+          <a:p>
+            <a:pPr marL="1200150" lvl="2" indent="-285750">
+              <a:buFont typeface="Arial" charset="0"/>
+              <a:buChar char="•"/>
+            </a:pPr>
+            <a:r>
+              <a:rPr lang="en-US" sz="2000" kern="1200" dirty="0" smtClean="0">
+                <a:solidFill>
+                  <a:schemeClr val="tx1"/>
+                </a:solidFill>
+                <a:latin typeface="+mn-lt"/>
+                <a:ea typeface="+mn-ea"/>
+                <a:cs typeface="+mn-cs"/>
+              </a:rPr>
+              <a:t>P-Value too low</a:t>
+            </a:r>
+            <a:endParaRPr lang="en-US" sz="1050" kern="1200" dirty="0" smtClean="0">
+              <a:solidFill>
+                <a:schemeClr val="tx1"/>
+              </a:solidFill>
+              <a:latin typeface="+mn-lt"/>
+              <a:ea typeface="+mn-ea"/>
+              <a:cs typeface="+mn-cs"/>
+            </a:endParaRPr>
+          </a:p>
+          <a:p>
+            <a:pPr marL="742950" lvl="1" indent="-285750">
+              <a:buFont typeface="Arial" charset="0"/>
+              <a:buChar char="•"/>
+            </a:pPr>
+            <a:r>
+              <a:rPr lang="en-US" sz="2000" kern="1200" dirty="0" smtClean="0">
+                <a:solidFill>
+                  <a:schemeClr val="tx1"/>
+                </a:solidFill>
+                <a:latin typeface="+mn-lt"/>
+                <a:ea typeface="+mn-ea"/>
+                <a:cs typeface="+mn-cs"/>
+              </a:rPr>
+              <a:t>“Years Active”</a:t>
+            </a:r>
+          </a:p>
+          <a:p>
+            <a:pPr marL="1200150" lvl="2" indent="-285750">
+              <a:buFont typeface="Arial" charset="0"/>
+              <a:buChar char="•"/>
+            </a:pPr>
+            <a:r>
+              <a:rPr lang="en-US" sz="2000" kern="1200" dirty="0" smtClean="0">
+                <a:solidFill>
+                  <a:schemeClr val="tx1"/>
+                </a:solidFill>
+                <a:latin typeface="+mn-lt"/>
+                <a:ea typeface="+mn-ea"/>
+                <a:cs typeface="+mn-cs"/>
+              </a:rPr>
+              <a:t>Co-linear with “Start”</a:t>
+            </a:r>
+          </a:p>
+          <a:p>
+            <a:endParaRPr lang="en-US" dirty="0"/>
+          </a:p>
+        </p:txBody>
+      </p:sp>
+      <p:sp>
+        <p:nvSpPr>
+          <p:cNvPr id="4" name="Slide Number Placeholder 3"/>
+          <p:cNvSpPr>
+            <a:spLocks noGrp="1"/>
+          </p:cNvSpPr>
+          <p:nvPr>
+            <p:ph type="sldNum" sz="quarter" idx="10"/>
+          </p:nvPr>
+        </p:nvSpPr>
+        <p:spPr/>
+        <p:txBody>
+          <a:bodyPr/>
+          <a:lstStyle/>
+          <a:p>
+            <a:fld id="{9C36C389-3042-7342-8948-F7B7CDF8B177}" type="slidenum">
+              <a:rPr lang="en-US" smtClean="0"/>
+              <a:t>7</a:t>
+            </a:fld>
+            <a:endParaRPr lang="en-US"/>
+          </a:p>
+        </p:txBody>
+      </p:sp>
+    </p:spTree>
+    <p:extLst>
+      <p:ext uri="{BB962C8B-B14F-4D97-AF65-F5344CB8AC3E}">
+        <p14:creationId xmlns:p14="http://schemas.microsoft.com/office/powerpoint/2010/main" val="1745527726"/>
+      </p:ext>
+    </p:extLst>
+  </p:cSld>
+  <p:clrMapOvr>
+    <a:masterClrMapping/>
+  </p:clrMapOvr>
+</p:notes>
+</file>
+
+<file path=ppt/notesSlides/notesSlide6.xml><?xml version="1.0" encoding="utf-8"?>
+<p:notes xmlns:a="http://schemas.openxmlformats.org/drawingml/2006/main" xmlns:r="http://schemas.openxmlformats.org/officeDocument/2006/relationships" xmlns:p="http://schemas.openxmlformats.org/presentationml/2006/main">
+  <p:cSld>
+    <p:spTree>
+      <p:nvGrpSpPr>
+        <p:cNvPr id="1" name=""/>
+        <p:cNvGrpSpPr/>
+        <p:nvPr/>
+      </p:nvGrpSpPr>
+      <p:grpSpPr>
+        <a:xfrm>
+          <a:off x="0" y="0"/>
+          <a:ext cx="0" cy="0"/>
+          <a:chOff x="0" y="0"/>
+          <a:chExt cx="0" cy="0"/>
+        </a:xfrm>
+      </p:grpSpPr>
+      <p:sp>
+        <p:nvSpPr>
+          <p:cNvPr id="2" name="Slide Image Placeholder 1"/>
+          <p:cNvSpPr>
+            <a:spLocks noGrp="1" noRot="1" noChangeAspect="1"/>
+          </p:cNvSpPr>
+          <p:nvPr>
+            <p:ph type="sldImg"/>
+          </p:nvPr>
+        </p:nvSpPr>
+        <p:spPr/>
+      </p:sp>
+      <p:sp>
+        <p:nvSpPr>
+          <p:cNvPr id="3" name="Notes Placeholder 2"/>
+          <p:cNvSpPr>
+            <a:spLocks noGrp="1"/>
+          </p:cNvSpPr>
+          <p:nvPr>
+            <p:ph type="body" idx="1"/>
+          </p:nvPr>
+        </p:nvSpPr>
+        <p:spPr/>
+        <p:txBody>
+          <a:bodyPr/>
+          <a:lstStyle/>
+          <a:p>
             <a:r>
               <a:rPr lang="en-US" dirty="0" err="1" smtClean="0"/>
               <a:t>Statsmodels</a:t>
@@ -1149,7 +1233,113 @@
 </p:notes>
 </file>
 
-<file path=ppt/notesSlides/notesSlide6.xml><?xml version="1.0" encoding="utf-8"?>
+<file path=ppt/notesSlides/notesSlide7.xml><?xml version="1.0" encoding="utf-8"?>
+<p:notes xmlns:a="http://schemas.openxmlformats.org/drawingml/2006/main" xmlns:r="http://schemas.openxmlformats.org/officeDocument/2006/relationships" xmlns:p="http://schemas.openxmlformats.org/presentationml/2006/main">
+  <p:cSld>
+    <p:spTree>
+      <p:nvGrpSpPr>
+        <p:cNvPr id="1" name=""/>
+        <p:cNvGrpSpPr/>
+        <p:nvPr/>
+      </p:nvGrpSpPr>
+      <p:grpSpPr>
+        <a:xfrm>
+          <a:off x="0" y="0"/>
+          <a:ext cx="0" cy="0"/>
+          <a:chOff x="0" y="0"/>
+          <a:chExt cx="0" cy="0"/>
+        </a:xfrm>
+      </p:grpSpPr>
+      <p:sp>
+        <p:nvSpPr>
+          <p:cNvPr id="2" name="Slide Image Placeholder 1"/>
+          <p:cNvSpPr>
+            <a:spLocks noGrp="1" noRot="1" noChangeAspect="1"/>
+          </p:cNvSpPr>
+          <p:nvPr>
+            <p:ph type="sldImg"/>
+          </p:nvPr>
+        </p:nvSpPr>
+        <p:spPr/>
+      </p:sp>
+      <p:sp>
+        <p:nvSpPr>
+          <p:cNvPr id="3" name="Notes Placeholder 2"/>
+          <p:cNvSpPr>
+            <a:spLocks noGrp="1"/>
+          </p:cNvSpPr>
+          <p:nvPr>
+            <p:ph type="body" idx="1"/>
+          </p:nvPr>
+        </p:nvSpPr>
+        <p:spPr/>
+        <p:txBody>
+          <a:bodyPr/>
+          <a:lstStyle/>
+          <a:p>
+            <a:r>
+              <a:rPr lang="en-US" dirty="0" smtClean="0"/>
+              <a:t>1 billion</a:t>
+            </a:r>
+          </a:p>
+          <a:p>
+            <a:endParaRPr lang="en-US" dirty="0" smtClean="0"/>
+          </a:p>
+          <a:p>
+            <a:r>
+              <a:rPr lang="en-US" dirty="0" smtClean="0"/>
+              <a:t>121,900,000,000,000 = 121 trillion</a:t>
+            </a:r>
+          </a:p>
+          <a:p>
+            <a:endParaRPr lang="en-US" dirty="0" smtClean="0"/>
+          </a:p>
+          <a:p>
+            <a:r>
+              <a:rPr lang="en-US" dirty="0" smtClean="0"/>
+              <a:t>11,038,000 = 11 million</a:t>
+            </a:r>
+            <a:endParaRPr lang="en-US" dirty="0"/>
+          </a:p>
+        </p:txBody>
+      </p:sp>
+      <p:sp>
+        <p:nvSpPr>
+          <p:cNvPr id="4" name="Slide Number Placeholder 3"/>
+          <p:cNvSpPr>
+            <a:spLocks noGrp="1"/>
+          </p:cNvSpPr>
+          <p:nvPr>
+            <p:ph type="sldNum" sz="quarter" idx="10"/>
+          </p:nvPr>
+        </p:nvSpPr>
+        <p:spPr/>
+        <p:txBody>
+          <a:bodyPr/>
+          <a:lstStyle/>
+          <a:p>
+            <a:fld id="{9C36C389-3042-7342-8948-F7B7CDF8B177}" type="slidenum">
+              <a:rPr lang="en-US" smtClean="0"/>
+              <a:t>11</a:t>
+            </a:fld>
+            <a:endParaRPr lang="en-US"/>
+          </a:p>
+        </p:txBody>
+      </p:sp>
+    </p:spTree>
+    <p:extLst>
+      <p:ext uri="{BB962C8B-B14F-4D97-AF65-F5344CB8AC3E}">
+        <p14:creationId xmlns:p14="http://schemas.microsoft.com/office/powerpoint/2010/main" val="563225707"/>
+      </p:ext>
+    </p:extLst>
+  </p:cSld>
+  <p:clrMapOvr>
+    <a:masterClrMapping/>
+  </p:clrMapOvr>
+</p:notes>
+</file>
+
+<file path=ppt/notesSlides/notesSlide8.xml><?xml version="1.0" encoding="utf-8"?>
 <p:notes xmlns:a="http://schemas.openxmlformats.org/drawingml/2006/main" xmlns:r="http://schemas.openxmlformats.org/officeDocument/2006/relationships" xmlns:p="http://schemas.openxmlformats.org/presentationml/2006/main">
   <p:cSld>
     <p:spTree>
@@ -5740,8 +5930,8 @@
           </a:p>
         </p:txBody>
       </p:sp>
-      <mc:AlternateContent xmlns:mc="http://schemas.openxmlformats.org/markup-compatibility/2006" xmlns:a14="http://schemas.microsoft.com/office/drawing/2010/main">
-        <mc:Choice Requires="a14">
+      <mc:AlternateContent xmlns:mc="http://schemas.openxmlformats.org/markup-compatibility/2006">
+        <mc:Choice xmlns:a14="http://schemas.microsoft.com/office/drawing/2010/main" Requires="a14">
           <p:sp>
             <p:nvSpPr>
               <p:cNvPr id="3" name="Content Placeholder 2"/>
@@ -5754,7 +5944,7 @@
             </p:nvSpPr>
             <p:spPr>
               <a:xfrm>
-                <a:off x="2024070" y="3040807"/>
+                <a:off x="963518" y="3040807"/>
                 <a:ext cx="6248398" cy="5655156"/>
               </a:xfrm>
             </p:spPr>
@@ -5880,7 +6070,7 @@
             </p:txBody>
           </p:sp>
         </mc:Choice>
-        <mc:Fallback xmlns="">
+        <mc:Fallback>
           <p:sp>
             <p:nvSpPr>
               <p:cNvPr id="3" name="Content Placeholder 2"/>
@@ -5893,11 +6083,11 @@
             </p:nvSpPr>
             <p:spPr>
               <a:xfrm>
-                <a:off x="2024070" y="3040807"/>
+                <a:off x="963518" y="3040807"/>
                 <a:ext cx="6248398" cy="5655156"/>
               </a:xfrm>
               <a:blipFill rotWithShape="0">
-                <a:blip r:embed="rId2"/>
+                <a:blip r:embed="rId3"/>
                 <a:stretch>
                   <a:fillRect l="-878" t="-539"/>
                 </a:stretch>
@@ -5960,6 +6150,36 @@
           </a:p>
         </p:txBody>
       </p:sp>
+      <p:pic>
+        <p:nvPicPr>
+          <p:cNvPr id="5" name="Picture 4"/>
+          <p:cNvPicPr>
+            <a:picLocks noChangeAspect="1"/>
+          </p:cNvPicPr>
+          <p:nvPr/>
+        </p:nvPicPr>
+        <p:blipFill>
+          <a:blip r:embed="rId4">
+            <a:extLst>
+              <a:ext uri="{28A0092B-C50C-407E-A947-70E740481C1C}">
+                <a14:useLocalDpi xmlns:a14="http://schemas.microsoft.com/office/drawing/2010/main" val="0"/>
+              </a:ext>
+            </a:extLst>
+          </a:blip>
+          <a:stretch>
+            <a:fillRect/>
+          </a:stretch>
+        </p:blipFill>
+        <p:spPr>
+          <a:xfrm>
+            <a:off x="4087717" y="3035924"/>
+            <a:ext cx="7688050" cy="985005"/>
+          </a:xfrm>
+          <a:prstGeom prst="rect">
+            <a:avLst/>
+          </a:prstGeom>
+        </p:spPr>
+      </p:pic>
     </p:spTree>
     <p:extLst>
       <p:ext uri="{BB962C8B-B14F-4D97-AF65-F5344CB8AC3E}">
@@ -8096,7 +8316,7 @@
           <p:nvPr/>
         </p:nvPicPr>
         <p:blipFill>
-          <a:blip r:embed="rId2">
+          <a:blip r:embed="rId3">
             <a:extLst>
               <a:ext uri="{28A0092B-C50C-407E-A947-70E740481C1C}">
                 <a14:useLocalDpi xmlns:a14="http://schemas.microsoft.com/office/drawing/2010/main" val="0"/>
@@ -8115,6 +8335,35 @@
           <a:prstGeom prst="rect">
             <a:avLst/>
           </a:prstGeom>
+        </p:spPr>
+      </p:pic>
+      <p:pic>
+        <p:nvPicPr>
+          <p:cNvPr id="4" name="Content Placeholder 3"/>
+          <p:cNvPicPr>
+            <a:picLocks noGrp="1" noChangeAspect="1"/>
+          </p:cNvPicPr>
+          <p:nvPr>
+            <p:ph idx="1"/>
+          </p:nvPr>
+        </p:nvPicPr>
+        <p:blipFill>
+          <a:blip r:embed="rId4">
+            <a:extLst>
+              <a:ext uri="{28A0092B-C50C-407E-A947-70E740481C1C}">
+                <a14:useLocalDpi xmlns:a14="http://schemas.microsoft.com/office/drawing/2010/main" val="0"/>
+              </a:ext>
+            </a:extLst>
+          </a:blip>
+          <a:stretch>
+            <a:fillRect/>
+          </a:stretch>
+        </p:blipFill>
+        <p:spPr>
+          <a:xfrm>
+            <a:off x="9155681" y="251566"/>
+            <a:ext cx="4708266" cy="6198653"/>
+          </a:xfrm>
         </p:spPr>
       </p:pic>
     </p:spTree>
@@ -8154,6 +8403,35 @@
           <a:chExt cx="0" cy="0"/>
         </a:xfrm>
       </p:grpSpPr>
+      <p:pic>
+        <p:nvPicPr>
+          <p:cNvPr id="6" name="Picture 5"/>
+          <p:cNvPicPr>
+            <a:picLocks noChangeAspect="1"/>
+          </p:cNvPicPr>
+          <p:nvPr/>
+        </p:nvPicPr>
+        <p:blipFill rotWithShape="1">
+          <a:blip r:embed="rId3">
+            <a:extLst>
+              <a:ext uri="{28A0092B-C50C-407E-A947-70E740481C1C}">
+                <a14:useLocalDpi xmlns:a14="http://schemas.microsoft.com/office/drawing/2010/main" val="0"/>
+              </a:ext>
+            </a:extLst>
+          </a:blip>
+          <a:srcRect t="10304" b="6716"/>
+          <a:stretch/>
+        </p:blipFill>
+        <p:spPr>
+          <a:xfrm>
+            <a:off x="308914" y="938151"/>
+            <a:ext cx="2219998" cy="5355772"/>
+          </a:xfrm>
+          <a:prstGeom prst="rect">
+            <a:avLst/>
+          </a:prstGeom>
+        </p:spPr>
+      </p:pic>
       <p:sp>
         <p:nvSpPr>
           <p:cNvPr id="2" name="Title 1"/>
@@ -8164,7 +8442,12 @@
             <p:ph type="title"/>
           </p:nvPr>
         </p:nvSpPr>
-        <p:spPr/>
+        <p:spPr>
+          <a:xfrm>
+            <a:off x="2850107" y="505463"/>
+            <a:ext cx="3833906" cy="4952492"/>
+          </a:xfrm>
+        </p:spPr>
         <p:txBody>
           <a:bodyPr/>
           <a:lstStyle/>
@@ -8186,7 +8469,7 @@
         </p:nvSpPr>
         <p:spPr>
           <a:xfrm>
-            <a:off x="5652655" y="1335104"/>
+            <a:off x="7372273" y="1237448"/>
             <a:ext cx="5605153" cy="1646605"/>
           </a:xfrm>
           <a:prstGeom prst="rect">
@@ -8282,7 +8565,7 @@
           <p:nvPr/>
         </p:nvPicPr>
         <p:blipFill>
-          <a:blip r:embed="rId3">
+          <a:blip r:embed="rId4">
             <a:extLst>
               <a:ext uri="{28A0092B-C50C-407E-A947-70E740481C1C}">
                 <a14:useLocalDpi xmlns:a14="http://schemas.microsoft.com/office/drawing/2010/main" val="0"/>
@@ -8295,12 +8578,17 @@
         </p:blipFill>
         <p:spPr>
           <a:xfrm>
-            <a:off x="549399" y="3645725"/>
+            <a:off x="972479" y="3616037"/>
             <a:ext cx="10786384" cy="2659247"/>
           </a:xfrm>
           <a:prstGeom prst="rect">
             <a:avLst/>
           </a:prstGeom>
+          <a:ln>
+            <a:solidFill>
+              <a:schemeClr val="tx1"/>
+            </a:solidFill>
+          </a:ln>
         </p:spPr>
       </p:pic>
     </p:spTree>
@@ -8561,13 +8849,13 @@
       </p:pic>
       <p:sp>
         <p:nvSpPr>
-          <p:cNvPr id="3" name="Oval 2"/>
+          <p:cNvPr id="6" name="Oval 5"/>
           <p:cNvSpPr/>
           <p:nvPr/>
         </p:nvSpPr>
         <p:spPr>
           <a:xfrm>
-            <a:off x="11163731" y="1504036"/>
+            <a:off x="5272513" y="2327945"/>
             <a:ext cx="1323543" cy="1253446"/>
           </a:xfrm>
           <a:prstGeom prst="ellipse">
@@ -8601,19 +8889,23 @@
           <a:lstStyle/>
           <a:p>
             <a:pPr algn="ctr"/>
-            <a:endParaRPr lang="en-US"/>
-          </a:p>
-        </p:txBody>
-      </p:sp>
-      <p:sp>
-        <p:nvSpPr>
-          <p:cNvPr id="6" name="Oval 5"/>
+            <a:r>
+              <a:rPr lang="en-US" dirty="0" smtClean="0"/>
+              <a:t>c</a:t>
+            </a:r>
+            <a:endParaRPr lang="en-US" dirty="0"/>
+          </a:p>
+        </p:txBody>
+      </p:sp>
+      <p:sp>
+        <p:nvSpPr>
+          <p:cNvPr id="8" name="Oval 7"/>
           <p:cNvSpPr/>
           <p:nvPr/>
         </p:nvSpPr>
         <p:spPr>
           <a:xfrm>
-            <a:off x="5272513" y="2327945"/>
+            <a:off x="8582493" y="1489745"/>
             <a:ext cx="1323543" cy="1253446"/>
           </a:xfrm>
           <a:prstGeom prst="ellipse">
@@ -8657,13 +8949,13 @@
       </p:sp>
       <p:sp>
         <p:nvSpPr>
-          <p:cNvPr id="9" name="Oval 8"/>
+          <p:cNvPr id="10" name="Oval 9"/>
           <p:cNvSpPr/>
           <p:nvPr/>
         </p:nvSpPr>
         <p:spPr>
           <a:xfrm>
-            <a:off x="6956499" y="3174743"/>
+            <a:off x="11181947" y="1489745"/>
             <a:ext cx="1323543" cy="1253446"/>
           </a:xfrm>
           <a:prstGeom prst="ellipse">

--- a/Project2/Project2PPT.pptx
+++ b/Project2/Project2PPT.pptx
@@ -5930,8 +5930,8 @@
           </a:p>
         </p:txBody>
       </p:sp>
-      <mc:AlternateContent xmlns:mc="http://schemas.openxmlformats.org/markup-compatibility/2006">
-        <mc:Choice xmlns:a14="http://schemas.microsoft.com/office/drawing/2010/main" Requires="a14">
+      <mc:AlternateContent xmlns:mc="http://schemas.openxmlformats.org/markup-compatibility/2006" xmlns:a14="http://schemas.microsoft.com/office/drawing/2010/main">
+        <mc:Choice Requires="a14">
           <p:sp>
             <p:nvSpPr>
               <p:cNvPr id="3" name="Content Placeholder 2"/>
@@ -6070,7 +6070,7 @@
             </p:txBody>
           </p:sp>
         </mc:Choice>
-        <mc:Fallback>
+        <mc:Fallback xmlns="">
           <p:sp>
             <p:nvSpPr>
               <p:cNvPr id="3" name="Content Placeholder 2"/>

--- a/Project2/Project2PPT.pptx
+++ b/Project2/Project2PPT.pptx
@@ -214,7 +214,7 @@
           <a:p>
             <a:fld id="{2BC186CC-A620-1249-8743-AADA554DCE35}" type="datetimeFigureOut">
               <a:rPr lang="en-US" smtClean="0"/>
-              <a:t>2/1/18</a:t>
+              <a:t>2/2/18</a:t>
             </a:fld>
             <a:endParaRPr lang="en-US"/>
           </a:p>
@@ -1824,7 +1824,7 @@
             <a:fld id="{B61BEF0D-F0BB-DE4B-95CE-6DB70DBA9567}" type="datetimeFigureOut">
               <a:rPr lang="en-US" smtClean="0"/>
               <a:pPr/>
-              <a:t>2/1/18</a:t>
+              <a:t>2/2/18</a:t>
             </a:fld>
             <a:endParaRPr lang="en-US" dirty="0"/>
           </a:p>
@@ -2068,7 +2068,7 @@
             <a:fld id="{B61BEF0D-F0BB-DE4B-95CE-6DB70DBA9567}" type="datetimeFigureOut">
               <a:rPr lang="en-US" smtClean="0"/>
               <a:pPr/>
-              <a:t>2/1/18</a:t>
+              <a:t>2/2/18</a:t>
             </a:fld>
             <a:endParaRPr lang="en-US" dirty="0"/>
           </a:p>
@@ -2451,7 +2451,7 @@
             <a:fld id="{B61BEF0D-F0BB-DE4B-95CE-6DB70DBA9567}" type="datetimeFigureOut">
               <a:rPr lang="en-US" smtClean="0"/>
               <a:pPr/>
-              <a:t>2/1/18</a:t>
+              <a:t>2/2/18</a:t>
             </a:fld>
             <a:endParaRPr lang="en-US" dirty="0"/>
           </a:p>
@@ -2677,7 +2677,7 @@
             <a:fld id="{B61BEF0D-F0BB-DE4B-95CE-6DB70DBA9567}" type="datetimeFigureOut">
               <a:rPr lang="en-US" smtClean="0"/>
               <a:pPr/>
-              <a:t>2/1/18</a:t>
+              <a:t>2/2/18</a:t>
             </a:fld>
             <a:endParaRPr lang="en-US" dirty="0"/>
           </a:p>
@@ -3165,7 +3165,7 @@
             <a:fld id="{B61BEF0D-F0BB-DE4B-95CE-6DB70DBA9567}" type="datetimeFigureOut">
               <a:rPr lang="en-US" smtClean="0"/>
               <a:pPr/>
-              <a:t>2/1/18</a:t>
+              <a:t>2/2/18</a:t>
             </a:fld>
             <a:endParaRPr lang="en-US" dirty="0"/>
           </a:p>
@@ -3472,7 +3472,7 @@
             <a:fld id="{B61BEF0D-F0BB-DE4B-95CE-6DB70DBA9567}" type="datetimeFigureOut">
               <a:rPr lang="en-US" smtClean="0"/>
               <a:pPr/>
-              <a:t>2/1/18</a:t>
+              <a:t>2/2/18</a:t>
             </a:fld>
             <a:endParaRPr lang="en-US" dirty="0"/>
           </a:p>
@@ -3860,7 +3860,7 @@
             <a:fld id="{B61BEF0D-F0BB-DE4B-95CE-6DB70DBA9567}" type="datetimeFigureOut">
               <a:rPr lang="en-US" smtClean="0"/>
               <a:pPr/>
-              <a:t>2/1/18</a:t>
+              <a:t>2/2/18</a:t>
             </a:fld>
             <a:endParaRPr lang="en-US" dirty="0"/>
           </a:p>
@@ -3975,7 +3975,7 @@
             <a:fld id="{B61BEF0D-F0BB-DE4B-95CE-6DB70DBA9567}" type="datetimeFigureOut">
               <a:rPr lang="en-US" smtClean="0"/>
               <a:pPr/>
-              <a:t>2/1/18</a:t>
+              <a:t>2/2/18</a:t>
             </a:fld>
             <a:endParaRPr lang="en-US" dirty="0"/>
           </a:p>
@@ -4067,7 +4067,7 @@
             <a:fld id="{B61BEF0D-F0BB-DE4B-95CE-6DB70DBA9567}" type="datetimeFigureOut">
               <a:rPr lang="en-US" smtClean="0"/>
               <a:pPr/>
-              <a:t>2/1/18</a:t>
+              <a:t>2/2/18</a:t>
             </a:fld>
             <a:endParaRPr lang="en-US" dirty="0"/>
           </a:p>
@@ -4369,7 +4369,7 @@
             <a:fld id="{B61BEF0D-F0BB-DE4B-95CE-6DB70DBA9567}" type="datetimeFigureOut">
               <a:rPr lang="en-US" smtClean="0"/>
               <a:pPr/>
-              <a:t>2/1/18</a:t>
+              <a:t>2/2/18</a:t>
             </a:fld>
             <a:endParaRPr lang="en-US" dirty="0"/>
           </a:p>
@@ -4636,7 +4636,7 @@
             <a:fld id="{B61BEF0D-F0BB-DE4B-95CE-6DB70DBA9567}" type="datetimeFigureOut">
               <a:rPr lang="en-US" smtClean="0"/>
               <a:pPr/>
-              <a:t>2/1/18</a:t>
+              <a:t>2/2/18</a:t>
             </a:fld>
             <a:endParaRPr lang="en-US" dirty="0"/>
           </a:p>
@@ -5051,7 +5051,7 @@
             <a:fld id="{B61BEF0D-F0BB-DE4B-95CE-6DB70DBA9567}" type="datetimeFigureOut">
               <a:rPr lang="en-US" smtClean="0"/>
               <a:pPr/>
-              <a:t>2/1/18</a:t>
+              <a:t>2/2/18</a:t>
             </a:fld>
             <a:endParaRPr lang="en-US" dirty="0"/>
           </a:p>
@@ -7679,7 +7679,58 @@
               <a:rPr lang="en-US" dirty="0" smtClean="0">
                 <a:latin typeface="+mj-lt"/>
               </a:rPr>
-              <a:t>This model is relatively accurate until you get to super groups like the Beatles.</a:t>
+              <a:t>The </a:t>
+            </a:r>
+            <a:r>
+              <a:rPr lang="en-US" dirty="0" err="1" smtClean="0">
+                <a:latin typeface="+mj-lt"/>
+              </a:rPr>
+              <a:t>statsmodels</a:t>
+            </a:r>
+            <a:r>
+              <a:rPr lang="en-US" dirty="0" smtClean="0">
+                <a:latin typeface="+mj-lt"/>
+              </a:rPr>
+              <a:t> model </a:t>
+            </a:r>
+            <a:r>
+              <a:rPr lang="en-US" dirty="0" smtClean="0">
+                <a:latin typeface="+mj-lt"/>
+              </a:rPr>
+              <a:t>is </a:t>
+            </a:r>
+            <a:r>
+              <a:rPr lang="en-US" dirty="0" smtClean="0">
+                <a:latin typeface="+mj-lt"/>
+              </a:rPr>
+              <a:t>more accurate</a:t>
+            </a:r>
+          </a:p>
+          <a:p>
+            <a:pPr lvl="1"/>
+            <a:r>
+              <a:rPr lang="en-US" dirty="0">
+                <a:latin typeface="+mj-lt"/>
+              </a:rPr>
+              <a:t>(</a:t>
+            </a:r>
+            <a:r>
+              <a:rPr lang="en-US" dirty="0" smtClean="0">
+                <a:latin typeface="+mj-lt"/>
+              </a:rPr>
+              <a:t>relatively </a:t>
+            </a:r>
+            <a:r>
+              <a:rPr lang="en-US" dirty="0" smtClean="0">
+                <a:latin typeface="+mj-lt"/>
+              </a:rPr>
+              <a:t>accurate until you get to super groups like the Beatles</a:t>
+            </a:r>
+            <a:r>
+              <a:rPr lang="en-US" dirty="0" smtClean="0">
+                <a:latin typeface="+mj-lt"/>
+              </a:rPr>
+              <a:t>.)</a:t>
             </a:r>
             <a:endParaRPr lang="en-US" dirty="0">
               <a:latin typeface="+mj-lt"/>

--- a/Project2/Project2PPT.pptx
+++ b/Project2/Project2PPT.pptx
@@ -7691,19 +7691,7 @@
               <a:rPr lang="en-US" dirty="0" smtClean="0">
                 <a:latin typeface="+mj-lt"/>
               </a:rPr>
-              <a:t> model </a:t>
-            </a:r>
-            <a:r>
-              <a:rPr lang="en-US" dirty="0" smtClean="0">
-                <a:latin typeface="+mj-lt"/>
-              </a:rPr>
-              <a:t>is </a:t>
-            </a:r>
-            <a:r>
-              <a:rPr lang="en-US" dirty="0" smtClean="0">
-                <a:latin typeface="+mj-lt"/>
-              </a:rPr>
-              <a:t>more accurate</a:t>
+              <a:t> model is more accurate</a:t>
             </a:r>
           </a:p>
           <a:p>
@@ -7718,19 +7706,7 @@
               <a:rPr lang="en-US" dirty="0" smtClean="0">
                 <a:latin typeface="+mj-lt"/>
               </a:rPr>
-              <a:t>relatively </a:t>
-            </a:r>
-            <a:r>
-              <a:rPr lang="en-US" dirty="0" smtClean="0">
-                <a:latin typeface="+mj-lt"/>
-              </a:rPr>
-              <a:t>accurate until you get to super groups like the Beatles</a:t>
-            </a:r>
-            <a:r>
-              <a:rPr lang="en-US" dirty="0" smtClean="0">
-                <a:latin typeface="+mj-lt"/>
-              </a:rPr>
-              <a:t>.)</a:t>
+              <a:t>relatively accurate until you get to super groups like the Beatles.)</a:t>
             </a:r>
             <a:endParaRPr lang="en-US" dirty="0">
               <a:latin typeface="+mj-lt"/>

--- a/Project2/Project2PPT.pptx
+++ b/Project2/Project2PPT.pptx
@@ -214,7 +214,7 @@
           <a:p>
             <a:fld id="{2BC186CC-A620-1249-8743-AADA554DCE35}" type="datetimeFigureOut">
               <a:rPr lang="en-US" smtClean="0"/>
-              <a:t>2/2/18</a:t>
+              <a:t>2/26/18</a:t>
             </a:fld>
             <a:endParaRPr lang="en-US"/>
           </a:p>
@@ -278,38 +278,37 @@
           <a:p>
             <a:pPr lvl="0"/>
             <a:r>
-              <a:rPr lang="en-US" smtClean="0"/>
+              <a:rPr lang="en-US"/>
               <a:t>Click to edit Master text styles</a:t>
             </a:r>
           </a:p>
           <a:p>
             <a:pPr lvl="1"/>
             <a:r>
-              <a:rPr lang="en-US" smtClean="0"/>
+              <a:rPr lang="en-US"/>
               <a:t>Second level</a:t>
             </a:r>
           </a:p>
           <a:p>
             <a:pPr lvl="2"/>
             <a:r>
-              <a:rPr lang="en-US" smtClean="0"/>
+              <a:rPr lang="en-US"/>
               <a:t>Third level</a:t>
             </a:r>
           </a:p>
           <a:p>
             <a:pPr lvl="3"/>
             <a:r>
-              <a:rPr lang="en-US" smtClean="0"/>
+              <a:rPr lang="en-US"/>
               <a:t>Fourth level</a:t>
             </a:r>
           </a:p>
           <a:p>
             <a:pPr lvl="4"/>
             <a:r>
-              <a:rPr lang="en-US" smtClean="0"/>
+              <a:rPr lang="en-US"/>
               <a:t>Fifth level</a:t>
             </a:r>
-            <a:endParaRPr lang="en-US"/>
           </a:p>
         </p:txBody>
       </p:sp>
@@ -628,7 +627,7 @@
               <a:defRPr/>
             </a:pPr>
             <a:r>
-              <a:rPr lang="en-US" sz="1200" kern="1200" dirty="0" smtClean="0">
+              <a:rPr lang="en-US" sz="1200" kern="1200" dirty="0">
                 <a:solidFill>
                   <a:schemeClr val="tx1"/>
                 </a:solidFill>
@@ -725,35 +724,35 @@
           <a:lstStyle/>
           <a:p>
             <a:r>
-              <a:rPr lang="en-US" dirty="0" smtClean="0"/>
+              <a:rPr lang="en-US" dirty="0"/>
               <a:t>Years</a:t>
             </a:r>
             <a:r>
-              <a:rPr lang="en-US" baseline="0" dirty="0" smtClean="0"/>
+              <a:rPr lang="en-US" baseline="0" dirty="0"/>
               <a:t> Active,</a:t>
             </a:r>
           </a:p>
           <a:p>
             <a:r>
-              <a:rPr lang="en-US" baseline="0" dirty="0" smtClean="0"/>
+              <a:rPr lang="en-US" baseline="0" dirty="0"/>
               <a:t>Year of First Record,</a:t>
             </a:r>
           </a:p>
           <a:p>
             <a:r>
-              <a:rPr lang="en-US" baseline="0" dirty="0" smtClean="0"/>
+              <a:rPr lang="en-US" baseline="0" dirty="0"/>
               <a:t>Claimed Sales</a:t>
             </a:r>
           </a:p>
           <a:p>
             <a:r>
-              <a:rPr lang="en-US" baseline="0" dirty="0" smtClean="0"/>
+              <a:rPr lang="en-US" baseline="0" dirty="0"/>
               <a:t>Certified Sales,</a:t>
             </a:r>
           </a:p>
           <a:p>
             <a:r>
-              <a:rPr lang="en-US" baseline="0" dirty="0" smtClean="0"/>
+              <a:rPr lang="en-US" baseline="0" dirty="0"/>
               <a:t>AUS, FRA, UK, US</a:t>
             </a:r>
           </a:p>
@@ -840,35 +839,35 @@
           <a:lstStyle/>
           <a:p>
             <a:r>
-              <a:rPr lang="en-US" dirty="0" smtClean="0"/>
+              <a:rPr lang="en-US" dirty="0"/>
               <a:t>Years</a:t>
             </a:r>
             <a:r>
-              <a:rPr lang="en-US" baseline="0" dirty="0" smtClean="0"/>
+              <a:rPr lang="en-US" baseline="0" dirty="0"/>
               <a:t> Active,</a:t>
             </a:r>
           </a:p>
           <a:p>
             <a:r>
-              <a:rPr lang="en-US" baseline="0" dirty="0" smtClean="0"/>
+              <a:rPr lang="en-US" baseline="0" dirty="0"/>
               <a:t>Year of First Record,</a:t>
             </a:r>
           </a:p>
           <a:p>
             <a:r>
-              <a:rPr lang="en-US" baseline="0" dirty="0" smtClean="0"/>
+              <a:rPr lang="en-US" baseline="0" dirty="0"/>
               <a:t>Claimed Sales</a:t>
             </a:r>
           </a:p>
           <a:p>
             <a:r>
-              <a:rPr lang="en-US" baseline="0" dirty="0" smtClean="0"/>
+              <a:rPr lang="en-US" baseline="0" dirty="0"/>
               <a:t>Certified Sales,</a:t>
             </a:r>
           </a:p>
           <a:p>
             <a:r>
-              <a:rPr lang="en-US" baseline="0" dirty="0" smtClean="0"/>
+              <a:rPr lang="en-US" baseline="0" dirty="0"/>
               <a:t>AUS, FRA, UK, US</a:t>
             </a:r>
           </a:p>
@@ -962,7 +961,7 @@
               <a:buChar char="•"/>
             </a:pPr>
             <a:r>
-              <a:rPr lang="en-US" sz="2000" kern="1200" dirty="0" smtClean="0">
+              <a:rPr lang="en-US" sz="2000" kern="1200" dirty="0">
                 <a:solidFill>
                   <a:schemeClr val="tx1"/>
                 </a:solidFill>
@@ -979,7 +978,7 @@
               <a:buChar char="•"/>
             </a:pPr>
             <a:r>
-              <a:rPr lang="en-US" sz="2000" kern="1200" dirty="0" smtClean="0">
+              <a:rPr lang="en-US" sz="2000" kern="1200" dirty="0">
                 <a:solidFill>
                   <a:schemeClr val="tx1"/>
                 </a:solidFill>
@@ -996,7 +995,7 @@
               <a:buChar char="•"/>
             </a:pPr>
             <a:r>
-              <a:rPr lang="en-US" sz="2000" kern="1200" dirty="0" smtClean="0">
+              <a:rPr lang="en-US" sz="2000" kern="1200" dirty="0">
                 <a:solidFill>
                   <a:schemeClr val="tx1"/>
                 </a:solidFill>
@@ -1006,7 +1005,7 @@
               </a:rPr>
               <a:t>P-Value too low</a:t>
             </a:r>
-            <a:endParaRPr lang="en-US" sz="1050" kern="1200" dirty="0" smtClean="0">
+            <a:endParaRPr lang="en-US" sz="1050" kern="1200" dirty="0">
               <a:solidFill>
                 <a:schemeClr val="tx1"/>
               </a:solidFill>
@@ -1021,7 +1020,7 @@
               <a:buChar char="•"/>
             </a:pPr>
             <a:r>
-              <a:rPr lang="en-US" sz="2000" kern="1200" dirty="0" smtClean="0">
+              <a:rPr lang="en-US" sz="2000" kern="1200" dirty="0">
                 <a:solidFill>
                   <a:schemeClr val="tx1"/>
                 </a:solidFill>
@@ -1038,7 +1037,7 @@
               <a:buChar char="•"/>
             </a:pPr>
             <a:r>
-              <a:rPr lang="en-US" sz="2000" kern="1200" dirty="0" smtClean="0">
+              <a:rPr lang="en-US" sz="2000" kern="1200" dirty="0">
                 <a:solidFill>
                   <a:schemeClr val="tx1"/>
                 </a:solidFill>
@@ -1048,7 +1047,7 @@
               </a:rPr>
               <a:t>P-Value too low</a:t>
             </a:r>
-            <a:endParaRPr lang="en-US" sz="1050" kern="1200" dirty="0" smtClean="0">
+            <a:endParaRPr lang="en-US" sz="1050" kern="1200" dirty="0">
               <a:solidFill>
                 <a:schemeClr val="tx1"/>
               </a:solidFill>
@@ -1063,7 +1062,7 @@
               <a:buChar char="•"/>
             </a:pPr>
             <a:r>
-              <a:rPr lang="en-US" sz="2000" kern="1200" dirty="0" smtClean="0">
+              <a:rPr lang="en-US" sz="2000" kern="1200" dirty="0">
                 <a:solidFill>
                   <a:schemeClr val="tx1"/>
                 </a:solidFill>
@@ -1080,7 +1079,7 @@
               <a:buChar char="•"/>
             </a:pPr>
             <a:r>
-              <a:rPr lang="en-US" sz="2000" kern="1200" dirty="0" smtClean="0">
+              <a:rPr lang="en-US" sz="2000" kern="1200" dirty="0">
                 <a:solidFill>
                   <a:schemeClr val="tx1"/>
                 </a:solidFill>
@@ -1177,23 +1176,22 @@
           <a:lstStyle/>
           <a:p>
             <a:r>
-              <a:rPr lang="en-US" dirty="0" err="1" smtClean="0"/>
+              <a:rPr lang="en-US" dirty="0" err="1"/>
               <a:t>Statsmodels</a:t>
             </a:r>
-            <a:endParaRPr lang="en-US" dirty="0" smtClean="0"/>
-          </a:p>
-          <a:p>
-            <a:r>
-              <a:rPr lang="en-US" dirty="0" smtClean="0"/>
+            <a:endParaRPr lang="en-US" dirty="0"/>
+          </a:p>
+          <a:p>
+            <a:r>
+              <a:rPr lang="en-US" dirty="0"/>
               <a:t>Orange = actual</a:t>
             </a:r>
           </a:p>
           <a:p>
             <a:r>
-              <a:rPr lang="en-US" dirty="0" smtClean="0"/>
+              <a:rPr lang="en-US" dirty="0"/>
               <a:t>Blue = predicted</a:t>
             </a:r>
-            <a:endParaRPr lang="en-US" dirty="0"/>
           </a:p>
         </p:txBody>
       </p:sp>
@@ -1278,28 +1276,27 @@
           <a:lstStyle/>
           <a:p>
             <a:r>
-              <a:rPr lang="en-US" dirty="0" smtClean="0"/>
+              <a:rPr lang="en-US" dirty="0"/>
               <a:t>1 billion</a:t>
             </a:r>
           </a:p>
           <a:p>
-            <a:endParaRPr lang="en-US" dirty="0" smtClean="0"/>
-          </a:p>
-          <a:p>
-            <a:r>
-              <a:rPr lang="en-US" dirty="0" smtClean="0"/>
+            <a:endParaRPr lang="en-US" dirty="0"/>
+          </a:p>
+          <a:p>
+            <a:r>
+              <a:rPr lang="en-US" dirty="0"/>
               <a:t>121,900,000,000,000 = 121 trillion</a:t>
             </a:r>
           </a:p>
           <a:p>
-            <a:endParaRPr lang="en-US" dirty="0" smtClean="0"/>
-          </a:p>
-          <a:p>
-            <a:r>
-              <a:rPr lang="en-US" dirty="0" smtClean="0"/>
+            <a:endParaRPr lang="en-US" dirty="0"/>
+          </a:p>
+          <a:p>
+            <a:r>
+              <a:rPr lang="en-US" dirty="0"/>
               <a:t>11,038,000 = 11 million</a:t>
             </a:r>
-            <a:endParaRPr lang="en-US" dirty="0"/>
           </a:p>
         </p:txBody>
       </p:sp>
@@ -1384,36 +1381,36 @@
           <a:lstStyle/>
           <a:p>
             <a:r>
-              <a:rPr lang="en-US" dirty="0" err="1" smtClean="0"/>
+              <a:rPr lang="en-US" dirty="0" err="1"/>
               <a:t>Sklearn</a:t>
             </a:r>
             <a:r>
-              <a:rPr lang="en-US" dirty="0" smtClean="0"/>
+              <a:rPr lang="en-US" dirty="0"/>
               <a:t> shows way more </a:t>
             </a:r>
             <a:r>
-              <a:rPr lang="en-US" dirty="0" err="1" smtClean="0"/>
+              <a:rPr lang="en-US" dirty="0" err="1"/>
               <a:t>heteroskedacitity</a:t>
             </a:r>
             <a:r>
-              <a:rPr lang="en-US" dirty="0" smtClean="0"/>
+              <a:rPr lang="en-US" dirty="0"/>
               <a:t>.</a:t>
             </a:r>
             <a:r>
-              <a:rPr lang="en-US" baseline="0" dirty="0" smtClean="0"/>
+              <a:rPr lang="en-US" baseline="0" dirty="0"/>
               <a:t> (they are not normally distributed at all)</a:t>
             </a:r>
           </a:p>
           <a:p>
-            <a:endParaRPr lang="en-US" baseline="0" dirty="0" smtClean="0"/>
-          </a:p>
-          <a:p>
-            <a:r>
-              <a:rPr lang="en-US" baseline="0" dirty="0" err="1" smtClean="0"/>
+            <a:endParaRPr lang="en-US" baseline="0" dirty="0"/>
+          </a:p>
+          <a:p>
+            <a:r>
+              <a:rPr lang="en-US" baseline="0" dirty="0" err="1"/>
               <a:t>Statsmodels</a:t>
             </a:r>
             <a:r>
-              <a:rPr lang="en-US" baseline="0" dirty="0" smtClean="0"/>
+              <a:rPr lang="en-US" baseline="0" dirty="0"/>
               <a:t> is also not great, since it is not centralized along 0.</a:t>
             </a:r>
             <a:endParaRPr lang="en-US" dirty="0"/>
@@ -1709,7 +1706,7 @@
           </a:lstStyle>
           <a:p>
             <a:r>
-              <a:rPr lang="en-US" smtClean="0"/>
+              <a:rPr lang="en-US"/>
               <a:t>Click to edit Master title style</a:t>
             </a:r>
             <a:endParaRPr lang="en-US" dirty="0"/>
@@ -1786,7 +1783,7 @@
           </a:lstStyle>
           <a:p>
             <a:r>
-              <a:rPr lang="en-US" smtClean="0"/>
+              <a:rPr lang="en-US"/>
               <a:t>Click to edit Master subtitle style</a:t>
             </a:r>
             <a:endParaRPr lang="en-US" dirty="0"/>
@@ -1824,7 +1821,7 @@
             <a:fld id="{B61BEF0D-F0BB-DE4B-95CE-6DB70DBA9567}" type="datetimeFigureOut">
               <a:rPr lang="en-US" smtClean="0"/>
               <a:pPr/>
-              <a:t>2/2/18</a:t>
+              <a:t>2/26/18</a:t>
             </a:fld>
             <a:endParaRPr lang="en-US" dirty="0"/>
           </a:p>
@@ -1986,7 +1983,7 @@
           <a:lstStyle/>
           <a:p>
             <a:r>
-              <a:rPr lang="en-US" smtClean="0"/>
+              <a:rPr lang="en-US"/>
               <a:t>Click to edit Master title style</a:t>
             </a:r>
             <a:endParaRPr lang="en-US" dirty="0"/>
@@ -2015,35 +2012,35 @@
           <a:p>
             <a:pPr lvl="0"/>
             <a:r>
-              <a:rPr lang="en-US" smtClean="0"/>
+              <a:rPr lang="en-US"/>
               <a:t>Click to edit Master text styles</a:t>
             </a:r>
           </a:p>
           <a:p>
             <a:pPr lvl="1"/>
             <a:r>
-              <a:rPr lang="en-US" smtClean="0"/>
+              <a:rPr lang="en-US"/>
               <a:t>Second level</a:t>
             </a:r>
           </a:p>
           <a:p>
             <a:pPr lvl="2"/>
             <a:r>
-              <a:rPr lang="en-US" smtClean="0"/>
+              <a:rPr lang="en-US"/>
               <a:t>Third level</a:t>
             </a:r>
           </a:p>
           <a:p>
             <a:pPr lvl="3"/>
             <a:r>
-              <a:rPr lang="en-US" smtClean="0"/>
+              <a:rPr lang="en-US"/>
               <a:t>Fourth level</a:t>
             </a:r>
           </a:p>
           <a:p>
             <a:pPr lvl="4"/>
             <a:r>
-              <a:rPr lang="en-US" smtClean="0"/>
+              <a:rPr lang="en-US"/>
               <a:t>Fifth level</a:t>
             </a:r>
             <a:endParaRPr lang="en-US" dirty="0"/>
@@ -2068,7 +2065,7 @@
             <a:fld id="{B61BEF0D-F0BB-DE4B-95CE-6DB70DBA9567}" type="datetimeFigureOut">
               <a:rPr lang="en-US" smtClean="0"/>
               <a:pPr/>
-              <a:t>2/2/18</a:t>
+              <a:t>2/26/18</a:t>
             </a:fld>
             <a:endParaRPr lang="en-US" dirty="0"/>
           </a:p>
@@ -2364,7 +2361,7 @@
           </a:lstStyle>
           <a:p>
             <a:r>
-              <a:rPr lang="en-US" smtClean="0"/>
+              <a:rPr lang="en-US"/>
               <a:t>Click to edit Master title style</a:t>
             </a:r>
             <a:endParaRPr lang="en-US" dirty="0"/>
@@ -2393,35 +2390,35 @@
           <a:p>
             <a:pPr lvl="0"/>
             <a:r>
-              <a:rPr lang="en-US" smtClean="0"/>
+              <a:rPr lang="en-US"/>
               <a:t>Click to edit Master text styles</a:t>
             </a:r>
           </a:p>
           <a:p>
             <a:pPr lvl="1"/>
             <a:r>
-              <a:rPr lang="en-US" smtClean="0"/>
+              <a:rPr lang="en-US"/>
               <a:t>Second level</a:t>
             </a:r>
           </a:p>
           <a:p>
             <a:pPr lvl="2"/>
             <a:r>
-              <a:rPr lang="en-US" smtClean="0"/>
+              <a:rPr lang="en-US"/>
               <a:t>Third level</a:t>
             </a:r>
           </a:p>
           <a:p>
             <a:pPr lvl="3"/>
             <a:r>
-              <a:rPr lang="en-US" smtClean="0"/>
+              <a:rPr lang="en-US"/>
               <a:t>Fourth level</a:t>
             </a:r>
           </a:p>
           <a:p>
             <a:pPr lvl="4"/>
             <a:r>
-              <a:rPr lang="en-US" smtClean="0"/>
+              <a:rPr lang="en-US"/>
               <a:t>Fifth level</a:t>
             </a:r>
             <a:endParaRPr lang="en-US" dirty="0"/>
@@ -2451,7 +2448,7 @@
             <a:fld id="{B61BEF0D-F0BB-DE4B-95CE-6DB70DBA9567}" type="datetimeFigureOut">
               <a:rPr lang="en-US" smtClean="0"/>
               <a:pPr/>
-              <a:t>2/2/18</a:t>
+              <a:t>2/26/18</a:t>
             </a:fld>
             <a:endParaRPr lang="en-US" dirty="0"/>
           </a:p>
@@ -2600,7 +2597,7 @@
           <a:lstStyle/>
           <a:p>
             <a:r>
-              <a:rPr lang="en-US" smtClean="0"/>
+              <a:rPr lang="en-US"/>
               <a:t>Click to edit Master title style</a:t>
             </a:r>
             <a:endParaRPr lang="en-US" dirty="0"/>
@@ -2624,35 +2621,35 @@
           <a:p>
             <a:pPr lvl="0"/>
             <a:r>
-              <a:rPr lang="en-US" smtClean="0"/>
+              <a:rPr lang="en-US"/>
               <a:t>Click to edit Master text styles</a:t>
             </a:r>
           </a:p>
           <a:p>
             <a:pPr lvl="1"/>
             <a:r>
-              <a:rPr lang="en-US" smtClean="0"/>
+              <a:rPr lang="en-US"/>
               <a:t>Second level</a:t>
             </a:r>
           </a:p>
           <a:p>
             <a:pPr lvl="2"/>
             <a:r>
-              <a:rPr lang="en-US" smtClean="0"/>
+              <a:rPr lang="en-US"/>
               <a:t>Third level</a:t>
             </a:r>
           </a:p>
           <a:p>
             <a:pPr lvl="3"/>
             <a:r>
-              <a:rPr lang="en-US" smtClean="0"/>
+              <a:rPr lang="en-US"/>
               <a:t>Fourth level</a:t>
             </a:r>
           </a:p>
           <a:p>
             <a:pPr lvl="4"/>
             <a:r>
-              <a:rPr lang="en-US" smtClean="0"/>
+              <a:rPr lang="en-US"/>
               <a:t>Fifth level</a:t>
             </a:r>
             <a:endParaRPr lang="en-US" dirty="0"/>
@@ -2677,7 +2674,7 @@
             <a:fld id="{B61BEF0D-F0BB-DE4B-95CE-6DB70DBA9567}" type="datetimeFigureOut">
               <a:rPr lang="en-US" smtClean="0"/>
               <a:pPr/>
-              <a:t>2/2/18</a:t>
+              <a:t>2/26/18</a:t>
             </a:fld>
             <a:endParaRPr lang="en-US" dirty="0"/>
           </a:p>
@@ -2996,7 +2993,7 @@
           </a:lstStyle>
           <a:p>
             <a:r>
-              <a:rPr lang="en-US" smtClean="0"/>
+              <a:rPr lang="en-US"/>
               <a:t>Click to edit Master title style</a:t>
             </a:r>
             <a:endParaRPr lang="en-US" dirty="0"/>
@@ -3125,7 +3122,7 @@
           <a:p>
             <a:pPr lvl="0"/>
             <a:r>
-              <a:rPr lang="en-US" smtClean="0"/>
+              <a:rPr lang="en-US"/>
               <a:t>Click to edit Master text styles</a:t>
             </a:r>
           </a:p>
@@ -3165,7 +3162,7 @@
             <a:fld id="{B61BEF0D-F0BB-DE4B-95CE-6DB70DBA9567}" type="datetimeFigureOut">
               <a:rPr lang="en-US" smtClean="0"/>
               <a:pPr/>
-              <a:t>2/2/18</a:t>
+              <a:t>2/26/18</a:t>
             </a:fld>
             <a:endParaRPr lang="en-US" dirty="0"/>
           </a:p>
@@ -3333,7 +3330,7 @@
           <a:lstStyle/>
           <a:p>
             <a:r>
-              <a:rPr lang="en-US" smtClean="0"/>
+              <a:rPr lang="en-US"/>
               <a:t>Click to edit Master title style</a:t>
             </a:r>
             <a:endParaRPr lang="en-US" dirty="0"/>
@@ -3362,35 +3359,35 @@
           <a:p>
             <a:pPr lvl="0"/>
             <a:r>
-              <a:rPr lang="en-US" smtClean="0"/>
+              <a:rPr lang="en-US"/>
               <a:t>Click to edit Master text styles</a:t>
             </a:r>
           </a:p>
           <a:p>
             <a:pPr lvl="1"/>
             <a:r>
-              <a:rPr lang="en-US" smtClean="0"/>
+              <a:rPr lang="en-US"/>
               <a:t>Second level</a:t>
             </a:r>
           </a:p>
           <a:p>
             <a:pPr lvl="2"/>
             <a:r>
-              <a:rPr lang="en-US" smtClean="0"/>
+              <a:rPr lang="en-US"/>
               <a:t>Third level</a:t>
             </a:r>
           </a:p>
           <a:p>
             <a:pPr lvl="3"/>
             <a:r>
-              <a:rPr lang="en-US" smtClean="0"/>
+              <a:rPr lang="en-US"/>
               <a:t>Fourth level</a:t>
             </a:r>
           </a:p>
           <a:p>
             <a:pPr lvl="4"/>
             <a:r>
-              <a:rPr lang="en-US" smtClean="0"/>
+              <a:rPr lang="en-US"/>
               <a:t>Fifth level</a:t>
             </a:r>
             <a:endParaRPr lang="en-US" dirty="0"/>
@@ -3419,35 +3416,35 @@
           <a:p>
             <a:pPr lvl="0"/>
             <a:r>
-              <a:rPr lang="en-US" smtClean="0"/>
+              <a:rPr lang="en-US"/>
               <a:t>Click to edit Master text styles</a:t>
             </a:r>
           </a:p>
           <a:p>
             <a:pPr lvl="1"/>
             <a:r>
-              <a:rPr lang="en-US" smtClean="0"/>
+              <a:rPr lang="en-US"/>
               <a:t>Second level</a:t>
             </a:r>
           </a:p>
           <a:p>
             <a:pPr lvl="2"/>
             <a:r>
-              <a:rPr lang="en-US" smtClean="0"/>
+              <a:rPr lang="en-US"/>
               <a:t>Third level</a:t>
             </a:r>
           </a:p>
           <a:p>
             <a:pPr lvl="3"/>
             <a:r>
-              <a:rPr lang="en-US" smtClean="0"/>
+              <a:rPr lang="en-US"/>
               <a:t>Fourth level</a:t>
             </a:r>
           </a:p>
           <a:p>
             <a:pPr lvl="4"/>
             <a:r>
-              <a:rPr lang="en-US" smtClean="0"/>
+              <a:rPr lang="en-US"/>
               <a:t>Fifth level</a:t>
             </a:r>
             <a:endParaRPr lang="en-US" dirty="0"/>
@@ -3472,7 +3469,7 @@
             <a:fld id="{B61BEF0D-F0BB-DE4B-95CE-6DB70DBA9567}" type="datetimeFigureOut">
               <a:rPr lang="en-US" smtClean="0"/>
               <a:pPr/>
-              <a:t>2/2/18</a:t>
+              <a:t>2/26/18</a:t>
             </a:fld>
             <a:endParaRPr lang="en-US" dirty="0"/>
           </a:p>
@@ -3567,7 +3564,7 @@
           <a:lstStyle/>
           <a:p>
             <a:r>
-              <a:rPr lang="en-US" smtClean="0"/>
+              <a:rPr lang="en-US"/>
               <a:t>Click to edit Master title style</a:t>
             </a:r>
             <a:endParaRPr lang="en-US" dirty="0"/>
@@ -3648,7 +3645,7 @@
           <a:p>
             <a:pPr lvl="0"/>
             <a:r>
-              <a:rPr lang="en-US" smtClean="0"/>
+              <a:rPr lang="en-US"/>
               <a:t>Click to edit Master text styles</a:t>
             </a:r>
           </a:p>
@@ -3676,35 +3673,35 @@
           <a:p>
             <a:pPr lvl="0"/>
             <a:r>
-              <a:rPr lang="en-US" smtClean="0"/>
+              <a:rPr lang="en-US"/>
               <a:t>Click to edit Master text styles</a:t>
             </a:r>
           </a:p>
           <a:p>
             <a:pPr lvl="1"/>
             <a:r>
-              <a:rPr lang="en-US" smtClean="0"/>
+              <a:rPr lang="en-US"/>
               <a:t>Second level</a:t>
             </a:r>
           </a:p>
           <a:p>
             <a:pPr lvl="2"/>
             <a:r>
-              <a:rPr lang="en-US" smtClean="0"/>
+              <a:rPr lang="en-US"/>
               <a:t>Third level</a:t>
             </a:r>
           </a:p>
           <a:p>
             <a:pPr lvl="3"/>
             <a:r>
-              <a:rPr lang="en-US" smtClean="0"/>
+              <a:rPr lang="en-US"/>
               <a:t>Fourth level</a:t>
             </a:r>
           </a:p>
           <a:p>
             <a:pPr lvl="4"/>
             <a:r>
-              <a:rPr lang="en-US" smtClean="0"/>
+              <a:rPr lang="en-US"/>
               <a:t>Fifth level</a:t>
             </a:r>
             <a:endParaRPr lang="en-US" dirty="0"/>
@@ -3779,7 +3776,7 @@
           <a:p>
             <a:pPr lvl="0"/>
             <a:r>
-              <a:rPr lang="en-US" smtClean="0"/>
+              <a:rPr lang="en-US"/>
               <a:t>Click to edit Master text styles</a:t>
             </a:r>
           </a:p>
@@ -3807,35 +3804,35 @@
           <a:p>
             <a:pPr lvl="0"/>
             <a:r>
-              <a:rPr lang="en-US" smtClean="0"/>
+              <a:rPr lang="en-US"/>
               <a:t>Click to edit Master text styles</a:t>
             </a:r>
           </a:p>
           <a:p>
             <a:pPr lvl="1"/>
             <a:r>
-              <a:rPr lang="en-US" smtClean="0"/>
+              <a:rPr lang="en-US"/>
               <a:t>Second level</a:t>
             </a:r>
           </a:p>
           <a:p>
             <a:pPr lvl="2"/>
             <a:r>
-              <a:rPr lang="en-US" smtClean="0"/>
+              <a:rPr lang="en-US"/>
               <a:t>Third level</a:t>
             </a:r>
           </a:p>
           <a:p>
             <a:pPr lvl="3"/>
             <a:r>
-              <a:rPr lang="en-US" smtClean="0"/>
+              <a:rPr lang="en-US"/>
               <a:t>Fourth level</a:t>
             </a:r>
           </a:p>
           <a:p>
             <a:pPr lvl="4"/>
             <a:r>
-              <a:rPr lang="en-US" smtClean="0"/>
+              <a:rPr lang="en-US"/>
               <a:t>Fifth level</a:t>
             </a:r>
             <a:endParaRPr lang="en-US" dirty="0"/>
@@ -3860,7 +3857,7 @@
             <a:fld id="{B61BEF0D-F0BB-DE4B-95CE-6DB70DBA9567}" type="datetimeFigureOut">
               <a:rPr lang="en-US" smtClean="0"/>
               <a:pPr/>
-              <a:t>2/2/18</a:t>
+              <a:t>2/26/18</a:t>
             </a:fld>
             <a:endParaRPr lang="en-US" dirty="0"/>
           </a:p>
@@ -3950,7 +3947,7 @@
           <a:lstStyle/>
           <a:p>
             <a:r>
-              <a:rPr lang="en-US" smtClean="0"/>
+              <a:rPr lang="en-US"/>
               <a:t>Click to edit Master title style</a:t>
             </a:r>
             <a:endParaRPr lang="en-US" dirty="0"/>
@@ -3975,7 +3972,7 @@
             <a:fld id="{B61BEF0D-F0BB-DE4B-95CE-6DB70DBA9567}" type="datetimeFigureOut">
               <a:rPr lang="en-US" smtClean="0"/>
               <a:pPr/>
-              <a:t>2/2/18</a:t>
+              <a:t>2/26/18</a:t>
             </a:fld>
             <a:endParaRPr lang="en-US" dirty="0"/>
           </a:p>
@@ -4067,7 +4064,7 @@
             <a:fld id="{B61BEF0D-F0BB-DE4B-95CE-6DB70DBA9567}" type="datetimeFigureOut">
               <a:rPr lang="en-US" smtClean="0"/>
               <a:pPr/>
-              <a:t>2/2/18</a:t>
+              <a:t>2/26/18</a:t>
             </a:fld>
             <a:endParaRPr lang="en-US" dirty="0"/>
           </a:p>
@@ -4176,7 +4173,7 @@
           </a:lstStyle>
           <a:p>
             <a:r>
-              <a:rPr lang="en-US" smtClean="0"/>
+              <a:rPr lang="en-US"/>
               <a:t>Click to edit Master title style</a:t>
             </a:r>
             <a:endParaRPr lang="en-US" dirty="0"/>
@@ -4248,35 +4245,35 @@
           <a:p>
             <a:pPr lvl="0"/>
             <a:r>
-              <a:rPr lang="en-US" smtClean="0"/>
+              <a:rPr lang="en-US"/>
               <a:t>Click to edit Master text styles</a:t>
             </a:r>
           </a:p>
           <a:p>
             <a:pPr lvl="1"/>
             <a:r>
-              <a:rPr lang="en-US" smtClean="0"/>
+              <a:rPr lang="en-US"/>
               <a:t>Second level</a:t>
             </a:r>
           </a:p>
           <a:p>
             <a:pPr lvl="2"/>
             <a:r>
-              <a:rPr lang="en-US" smtClean="0"/>
+              <a:rPr lang="en-US"/>
               <a:t>Third level</a:t>
             </a:r>
           </a:p>
           <a:p>
             <a:pPr lvl="3"/>
             <a:r>
-              <a:rPr lang="en-US" smtClean="0"/>
+              <a:rPr lang="en-US"/>
               <a:t>Fourth level</a:t>
             </a:r>
           </a:p>
           <a:p>
             <a:pPr lvl="4"/>
             <a:r>
-              <a:rPr lang="en-US" smtClean="0"/>
+              <a:rPr lang="en-US"/>
               <a:t>Fifth level</a:t>
             </a:r>
             <a:endParaRPr lang="en-US" dirty="0"/>
@@ -4345,7 +4342,7 @@
           <a:p>
             <a:pPr lvl="0"/>
             <a:r>
-              <a:rPr lang="en-US" smtClean="0"/>
+              <a:rPr lang="en-US"/>
               <a:t>Click to edit Master text styles</a:t>
             </a:r>
           </a:p>
@@ -4369,7 +4366,7 @@
             <a:fld id="{B61BEF0D-F0BB-DE4B-95CE-6DB70DBA9567}" type="datetimeFigureOut">
               <a:rPr lang="en-US" smtClean="0"/>
               <a:pPr/>
-              <a:t>2/2/18</a:t>
+              <a:t>2/26/18</a:t>
             </a:fld>
             <a:endParaRPr lang="en-US" dirty="0"/>
           </a:p>
@@ -4478,7 +4475,7 @@
           </a:lstStyle>
           <a:p>
             <a:r>
-              <a:rPr lang="en-US" smtClean="0"/>
+              <a:rPr lang="en-US"/>
               <a:t>Click to edit Master title style</a:t>
             </a:r>
             <a:endParaRPr lang="en-US" dirty="0"/>
@@ -4543,7 +4540,7 @@
           </a:lstStyle>
           <a:p>
             <a:r>
-              <a:rPr lang="en-US" smtClean="0"/>
+              <a:rPr lang="en-US"/>
               <a:t>Drag picture to placeholder or click icon to add</a:t>
             </a:r>
             <a:endParaRPr lang="en-US" dirty="0"/>
@@ -4612,7 +4609,7 @@
           <a:p>
             <a:pPr lvl="0"/>
             <a:r>
-              <a:rPr lang="en-US" smtClean="0"/>
+              <a:rPr lang="en-US"/>
               <a:t>Click to edit Master text styles</a:t>
             </a:r>
           </a:p>
@@ -4636,7 +4633,7 @@
             <a:fld id="{B61BEF0D-F0BB-DE4B-95CE-6DB70DBA9567}" type="datetimeFigureOut">
               <a:rPr lang="en-US" smtClean="0"/>
               <a:pPr/>
-              <a:t>2/2/18</a:t>
+              <a:t>2/26/18</a:t>
             </a:fld>
             <a:endParaRPr lang="en-US" dirty="0"/>
           </a:p>
@@ -4944,7 +4941,7 @@
           <a:lstStyle/>
           <a:p>
             <a:r>
-              <a:rPr lang="en-US" smtClean="0"/>
+              <a:rPr lang="en-US"/>
               <a:t>Click to edit Master title style</a:t>
             </a:r>
             <a:endParaRPr lang="en-US" dirty="0"/>
@@ -4978,35 +4975,35 @@
           <a:p>
             <a:pPr lvl="0"/>
             <a:r>
-              <a:rPr lang="en-US" smtClean="0"/>
+              <a:rPr lang="en-US"/>
               <a:t>Click to edit Master text styles</a:t>
             </a:r>
           </a:p>
           <a:p>
             <a:pPr lvl="1"/>
             <a:r>
-              <a:rPr lang="en-US" smtClean="0"/>
+              <a:rPr lang="en-US"/>
               <a:t>Second level</a:t>
             </a:r>
           </a:p>
           <a:p>
             <a:pPr lvl="2"/>
             <a:r>
-              <a:rPr lang="en-US" smtClean="0"/>
+              <a:rPr lang="en-US"/>
               <a:t>Third level</a:t>
             </a:r>
           </a:p>
           <a:p>
             <a:pPr lvl="3"/>
             <a:r>
-              <a:rPr lang="en-US" smtClean="0"/>
+              <a:rPr lang="en-US"/>
               <a:t>Fourth level</a:t>
             </a:r>
           </a:p>
           <a:p>
             <a:pPr lvl="4"/>
             <a:r>
-              <a:rPr lang="en-US" smtClean="0"/>
+              <a:rPr lang="en-US"/>
               <a:t>Fifth level</a:t>
             </a:r>
             <a:endParaRPr lang="en-US" dirty="0"/>
@@ -5051,7 +5048,7 @@
             <a:fld id="{B61BEF0D-F0BB-DE4B-95CE-6DB70DBA9567}" type="datetimeFigureOut">
               <a:rPr lang="en-US" smtClean="0"/>
               <a:pPr/>
-              <a:t>2/2/18</a:t>
+              <a:t>2/26/18</a:t>
             </a:fld>
             <a:endParaRPr lang="en-US" dirty="0"/>
           </a:p>
@@ -5575,7 +5572,7 @@
           <a:lstStyle/>
           <a:p>
             <a:r>
-              <a:rPr lang="en-US" dirty="0" smtClean="0">
+              <a:rPr lang="en-US" dirty="0">
                 <a:solidFill>
                   <a:schemeClr val="accent1">
                     <a:lumMod val="20000"/>
@@ -5585,19 +5582,15 @@
               </a:rPr>
               <a:t>Predicting Success of Musicians: </a:t>
             </a:r>
-            <a:r>
-              <a:rPr lang="en-US" dirty="0" smtClean="0"/>
-              <a:t/>
-            </a:r>
             <a:br>
-              <a:rPr lang="en-US" dirty="0" smtClean="0"/>
+              <a:rPr lang="en-US" dirty="0"/>
             </a:br>
             <a:r>
-              <a:rPr lang="en-US" dirty="0" smtClean="0"/>
+              <a:rPr lang="en-US" dirty="0"/>
               <a:t>	</a:t>
             </a:r>
             <a:r>
-              <a:rPr lang="en-US" sz="5300" dirty="0" smtClean="0">
+              <a:rPr lang="en-US" sz="5300" dirty="0">
                 <a:solidFill>
                   <a:schemeClr val="accent1">
                     <a:lumMod val="60000"/>
@@ -5607,14 +5600,6 @@
               </a:rPr>
               <a:t>Total Album 	sales</a:t>
             </a:r>
-            <a:endParaRPr lang="en-US" sz="5300" dirty="0">
-              <a:solidFill>
-                <a:schemeClr val="accent1">
-                  <a:lumMod val="60000"/>
-                  <a:lumOff val="40000"/>
-                </a:schemeClr>
-              </a:solidFill>
-            </a:endParaRPr>
           </a:p>
         </p:txBody>
       </p:sp>
@@ -5634,11 +5619,11 @@
           <a:lstStyle/>
           <a:p>
             <a:r>
-              <a:rPr lang="en-US" dirty="0" smtClean="0"/>
+              <a:rPr lang="en-US" dirty="0"/>
               <a:t>		</a:t>
             </a:r>
             <a:r>
-              <a:rPr lang="en-US" dirty="0" smtClean="0">
+              <a:rPr lang="en-US" dirty="0">
                 <a:solidFill>
                   <a:schemeClr val="accent1">
                     <a:lumMod val="75000"/>
@@ -5649,7 +5634,7 @@
               <a:t>Kaitlin </a:t>
             </a:r>
             <a:r>
-              <a:rPr lang="en-US" dirty="0" err="1" smtClean="0">
+              <a:rPr lang="en-US" dirty="0" err="1">
                 <a:solidFill>
                   <a:schemeClr val="accent1">
                     <a:lumMod val="75000"/>
@@ -5680,13 +5665,6 @@
   <p:clrMapOvr>
     <a:masterClrMapping/>
   </p:clrMapOvr>
-  <p:timing>
-    <p:tnLst>
-      <p:par>
-        <p:cTn id="1" dur="indefinite" restart="never" nodeType="tmRoot"/>
-      </p:par>
-    </p:tnLst>
-  </p:timing>
 </p:sld>
 </file>
 
@@ -5724,24 +5702,23 @@
           <a:p>
             <a:pPr algn="l"/>
             <a:r>
-              <a:rPr lang="en-US" dirty="0" smtClean="0"/>
+              <a:rPr lang="en-US" dirty="0"/>
               <a:t>Train</a:t>
             </a:r>
             <a:br>
-              <a:rPr lang="en-US" dirty="0" smtClean="0"/>
+              <a:rPr lang="en-US" dirty="0"/>
             </a:br>
             <a:r>
-              <a:rPr lang="en-US" dirty="0" smtClean="0"/>
+              <a:rPr lang="en-US" dirty="0"/>
               <a:t>Test </a:t>
             </a:r>
             <a:br>
-              <a:rPr lang="en-US" dirty="0" smtClean="0"/>
+              <a:rPr lang="en-US" dirty="0"/>
             </a:br>
             <a:r>
-              <a:rPr lang="en-US" dirty="0" smtClean="0"/>
+              <a:rPr lang="en-US" dirty="0"/>
               <a:t>Split</a:t>
             </a:r>
-            <a:endParaRPr lang="en-US" dirty="0"/>
           </a:p>
         </p:txBody>
       </p:sp>
@@ -5797,13 +5774,13 @@
           <a:lstStyle/>
           <a:p>
             <a:r>
-              <a:rPr lang="cs-CZ" dirty="0" err="1" smtClean="0">
+              <a:rPr lang="cs-CZ" dirty="0" err="1">
                 <a:latin typeface="+mj-lt"/>
               </a:rPr>
               <a:t>Average</a:t>
             </a:r>
             <a:r>
-              <a:rPr lang="cs-CZ" dirty="0" smtClean="0">
+              <a:rPr lang="cs-CZ" dirty="0">
                 <a:latin typeface="+mj-lt"/>
               </a:rPr>
               <a:t>:</a:t>
@@ -5811,7 +5788,7 @@
           </a:p>
           <a:p>
             <a:r>
-              <a:rPr lang="cs-CZ" dirty="0" smtClean="0">
+              <a:rPr lang="cs-CZ" dirty="0">
                 <a:latin typeface="+mj-lt"/>
               </a:rPr>
               <a:t>0.9397738449749</a:t>
@@ -5875,13 +5852,6 @@
   <p:clrMapOvr>
     <a:masterClrMapping/>
   </p:clrMapOvr>
-  <p:timing>
-    <p:tnLst>
-      <p:par>
-        <p:cTn id="1" dur="indefinite" restart="never" nodeType="tmRoot"/>
-      </p:par>
-    </p:tnLst>
-  </p:timing>
 </p:sld>
 </file>
 
@@ -5923,10 +5893,9 @@
           <a:lstStyle/>
           <a:p>
             <a:r>
-              <a:rPr lang="en-US" dirty="0" smtClean="0"/>
+              <a:rPr lang="en-US" dirty="0"/>
               <a:t>Regularization</a:t>
             </a:r>
-            <a:endParaRPr lang="en-US" dirty="0"/>
           </a:p>
         </p:txBody>
       </p:sp>
@@ -5958,7 +5927,7 @@
                       <m:sSupPr>
                         <m:ctrlPr>
                           <a:rPr lang="en-US" b="0" i="1" dirty="0" smtClean="0">
-                            <a:latin typeface="Cambria Math" charset="0"/>
+                            <a:latin typeface="Cambria Math" panose="02040503050406030204" pitchFamily="18" charset="0"/>
                             <a:ea typeface="Cambria Math" charset="0"/>
                             <a:cs typeface="Cambria Math" charset="0"/>
                           </a:rPr>
@@ -5996,14 +5965,11 @@
                   </m:oMath>
                 </a14:m>
                 <a:r>
-                  <a:rPr lang="en-US" dirty="0" smtClean="0">
+                  <a:rPr lang="en-US" dirty="0">
                     <a:latin typeface="+mj-lt"/>
                   </a:rPr>
                   <a:t>: 1.0 e9 </a:t>
                 </a:r>
-                <a:endParaRPr lang="en-US" dirty="0">
-                  <a:latin typeface="+mj-lt"/>
-                </a:endParaRPr>
               </a:p>
               <a:p>
                 <a14:m>
@@ -6012,7 +5978,7 @@
                       <m:sSupPr>
                         <m:ctrlPr>
                           <a:rPr lang="en-US" i="1" smtClean="0">
-                            <a:latin typeface="Cambria Math" charset="0"/>
+                            <a:latin typeface="Cambria Math" panose="02040503050406030204" pitchFamily="18" charset="0"/>
                           </a:rPr>
                         </m:ctrlPr>
                       </m:sSupPr>
@@ -6036,7 +6002,7 @@
                   </m:oMath>
                 </a14:m>
                 <a:r>
-                  <a:rPr lang="en-US" dirty="0" smtClean="0">
+                  <a:rPr lang="en-US" dirty="0">
                     <a:latin typeface="+mj-lt"/>
                   </a:rPr>
                   <a:t>: 0.952 </a:t>
@@ -6044,7 +6010,7 @@
               </a:p>
               <a:p>
                 <a:r>
-                  <a:rPr lang="en-US" dirty="0" smtClean="0">
+                  <a:rPr lang="en-US" dirty="0">
                     <a:latin typeface="+mj-lt"/>
                   </a:rPr>
                   <a:t>MSE: 1.219 e14</a:t>
@@ -6052,13 +6018,13 @@
               </a:p>
               <a:p>
                 <a:r>
-                  <a:rPr lang="en-US" dirty="0" smtClean="0">
+                  <a:rPr lang="en-US" dirty="0">
                     <a:latin typeface="+mj-lt"/>
                   </a:rPr>
                   <a:t>RMSE: </a:t>
                 </a:r>
                 <a:r>
-                  <a:rPr lang="hr-HR" dirty="0" smtClean="0">
+                  <a:rPr lang="hr-HR" dirty="0">
                     <a:latin typeface="+mj-lt"/>
                   </a:rPr>
                   <a:t>1.1039 e7</a:t>
@@ -6131,7 +6097,7 @@
           <a:lstStyle/>
           <a:p>
             <a:r>
-              <a:rPr lang="en-US" sz="2000" b="1" i="1" dirty="0" smtClean="0">
+              <a:rPr lang="en-US" sz="2000" b="1" i="1" dirty="0">
                 <a:latin typeface="+mj-lt"/>
               </a:rPr>
               <a:t>Elastic Net CV</a:t>
@@ -6139,14 +6105,11 @@
           </a:p>
           <a:p>
             <a:r>
-              <a:rPr lang="en-US" sz="2000" b="1" i="1" dirty="0" smtClean="0">
+              <a:rPr lang="en-US" sz="2000" b="1" i="1" dirty="0">
                 <a:latin typeface="+mj-lt"/>
               </a:rPr>
               <a:t>Our optimized Cost Function generates these values:</a:t>
             </a:r>
-            <a:endParaRPr lang="en-US" sz="2000" b="1" i="1" dirty="0">
-              <a:latin typeface="+mj-lt"/>
-            </a:endParaRPr>
           </a:p>
         </p:txBody>
       </p:sp>
@@ -6190,13 +6153,6 @@
   <p:clrMapOvr>
     <a:masterClrMapping/>
   </p:clrMapOvr>
-  <p:timing>
-    <p:tnLst>
-      <p:par>
-        <p:cTn id="1" dur="indefinite" restart="never" nodeType="tmRoot"/>
-      </p:par>
-    </p:tnLst>
-  </p:timing>
 </p:sld>
 </file>
 
@@ -6235,18 +6191,14 @@
             <a:pPr algn="l"/>
             <a:r>
               <a:rPr lang="en-US" dirty="0" err="1"/>
-              <a:t>s</a:t>
-            </a:r>
-            <a:r>
-              <a:rPr lang="en-US" dirty="0" err="1" smtClean="0"/>
-              <a:t>tatsmodels</a:t>
-            </a:r>
-            <a:r>
-              <a:rPr lang="en-US" dirty="0" smtClean="0"/>
+              <a:t>statsmodels</a:t>
+            </a:r>
+            <a:r>
+              <a:rPr lang="en-US" dirty="0"/>
               <a:t> vs. </a:t>
             </a:r>
             <a:r>
-              <a:rPr lang="en-US" dirty="0" err="1" smtClean="0"/>
+              <a:rPr lang="en-US" dirty="0" err="1"/>
               <a:t>sklearn</a:t>
             </a:r>
             <a:endParaRPr lang="en-US" dirty="0"/>
@@ -6279,10 +6231,34 @@
                 <a:tableStyleId>{5C22544A-7EE6-4342-B048-85BDC9FD1C3A}</a:tableStyleId>
               </a:tblPr>
               <a:tblGrid>
-                <a:gridCol w="2818210"/>
-                <a:gridCol w="1751410"/>
-                <a:gridCol w="1751410"/>
-                <a:gridCol w="1751410"/>
+                <a:gridCol w="2818210">
+                  <a:extLst>
+                    <a:ext uri="{9D8B030D-6E8A-4147-A177-3AD203B41FA5}">
+                      <a16:colId xmlns:a16="http://schemas.microsoft.com/office/drawing/2014/main" val="20000"/>
+                    </a:ext>
+                  </a:extLst>
+                </a:gridCol>
+                <a:gridCol w="1751410">
+                  <a:extLst>
+                    <a:ext uri="{9D8B030D-6E8A-4147-A177-3AD203B41FA5}">
+                      <a16:colId xmlns:a16="http://schemas.microsoft.com/office/drawing/2014/main" val="20001"/>
+                    </a:ext>
+                  </a:extLst>
+                </a:gridCol>
+                <a:gridCol w="1751410">
+                  <a:extLst>
+                    <a:ext uri="{9D8B030D-6E8A-4147-A177-3AD203B41FA5}">
+                      <a16:colId xmlns:a16="http://schemas.microsoft.com/office/drawing/2014/main" val="20002"/>
+                    </a:ext>
+                  </a:extLst>
+                </a:gridCol>
+                <a:gridCol w="1751410">
+                  <a:extLst>
+                    <a:ext uri="{9D8B030D-6E8A-4147-A177-3AD203B41FA5}">
+                      <a16:colId xmlns:a16="http://schemas.microsoft.com/office/drawing/2014/main" val="20003"/>
+                    </a:ext>
+                  </a:extLst>
+                </a:gridCol>
               </a:tblGrid>
               <a:tr h="370840">
                 <a:tc>
@@ -6304,7 +6280,7 @@
                     <a:p>
                       <a:pPr algn="r"/>
                       <a:r>
-                        <a:rPr lang="en-US" dirty="0" err="1" smtClean="0">
+                        <a:rPr lang="en-US" dirty="0" err="1">
                           <a:latin typeface="+mj-lt"/>
                         </a:rPr>
                         <a:t>Statsmodels</a:t>
@@ -6323,7 +6299,7 @@
                     <a:p>
                       <a:pPr algn="r"/>
                       <a:r>
-                        <a:rPr lang="en-US" dirty="0" err="1" smtClean="0">
+                        <a:rPr lang="en-US" dirty="0" err="1">
                           <a:latin typeface="+mj-lt"/>
                         </a:rPr>
                         <a:t>Sklearn</a:t>
@@ -6342,18 +6318,20 @@
                     <a:p>
                       <a:pPr algn="r"/>
                       <a:r>
-                        <a:rPr lang="en-US" dirty="0" smtClean="0">
+                        <a:rPr lang="en-US" dirty="0">
                           <a:latin typeface="+mj-lt"/>
                         </a:rPr>
                         <a:t>% difference</a:t>
                       </a:r>
-                      <a:endParaRPr lang="en-US" dirty="0">
-                        <a:latin typeface="+mj-lt"/>
-                      </a:endParaRPr>
                     </a:p>
                   </a:txBody>
                   <a:tcPr/>
                 </a:tc>
+                <a:extLst>
+                  <a:ext uri="{0D108BD9-81ED-4DB2-BD59-A6C34878D82A}">
+                    <a16:rowId xmlns:a16="http://schemas.microsoft.com/office/drawing/2014/main" val="10000"/>
+                  </a:ext>
+                </a:extLst>
               </a:tr>
               <a:tr h="370840">
                 <a:tc>
@@ -6362,14 +6340,11 @@
                     <a:lstStyle/>
                     <a:p>
                       <a:r>
-                        <a:rPr lang="en-US" b="1" dirty="0" smtClean="0">
+                        <a:rPr lang="en-US" b="1" dirty="0">
                           <a:latin typeface="+mj-lt"/>
                         </a:rPr>
                         <a:t>Intercept</a:t>
                       </a:r>
-                      <a:endParaRPr lang="en-US" b="1" dirty="0">
-                        <a:latin typeface="+mj-lt"/>
-                      </a:endParaRPr>
                     </a:p>
                   </a:txBody>
                   <a:tcPr/>
@@ -6381,14 +6356,11 @@
                     <a:p>
                       <a:pPr algn="r"/>
                       <a:r>
-                        <a:rPr lang="en-US" dirty="0" smtClean="0">
+                        <a:rPr lang="en-US" dirty="0">
                           <a:latin typeface="+mj-lt"/>
                         </a:rPr>
                         <a:t>-7.39 e8</a:t>
                       </a:r>
-                      <a:endParaRPr lang="en-US" dirty="0">
-                        <a:latin typeface="+mj-lt"/>
-                      </a:endParaRPr>
                     </a:p>
                   </a:txBody>
                   <a:tcPr/>
@@ -6400,13 +6372,13 @@
                     <a:p>
                       <a:pPr algn="r"/>
                       <a:r>
-                        <a:rPr lang="en-US" dirty="0" smtClean="0">
+                        <a:rPr lang="en-US" dirty="0">
                           <a:latin typeface="+mj-lt"/>
                         </a:rPr>
                         <a:t>-6.54</a:t>
                       </a:r>
                       <a:r>
-                        <a:rPr lang="en-US" baseline="0" dirty="0" smtClean="0">
+                        <a:rPr lang="en-US" baseline="0" dirty="0">
                           <a:latin typeface="+mj-lt"/>
                         </a:rPr>
                         <a:t> e8</a:t>
@@ -6425,18 +6397,20 @@
                     <a:p>
                       <a:pPr algn="r"/>
                       <a:r>
-                        <a:rPr lang="en-US" dirty="0" smtClean="0">
+                        <a:rPr lang="en-US" dirty="0">
                           <a:latin typeface="+mj-lt"/>
                         </a:rPr>
                         <a:t>12.25%</a:t>
                       </a:r>
-                      <a:endParaRPr lang="en-US" dirty="0">
-                        <a:latin typeface="+mj-lt"/>
-                      </a:endParaRPr>
                     </a:p>
                   </a:txBody>
                   <a:tcPr/>
                 </a:tc>
+                <a:extLst>
+                  <a:ext uri="{0D108BD9-81ED-4DB2-BD59-A6C34878D82A}">
+                    <a16:rowId xmlns:a16="http://schemas.microsoft.com/office/drawing/2014/main" val="10001"/>
+                  </a:ext>
+                </a:extLst>
               </a:tr>
               <a:tr h="370840">
                 <a:tc>
@@ -6445,14 +6419,11 @@
                     <a:lstStyle/>
                     <a:p>
                       <a:r>
-                        <a:rPr lang="en-US" b="1" dirty="0" smtClean="0">
+                        <a:rPr lang="en-US" b="1" dirty="0">
                           <a:latin typeface="+mj-lt"/>
                         </a:rPr>
                         <a:t>Year of First Record</a:t>
                       </a:r>
-                      <a:endParaRPr lang="en-US" b="1" dirty="0">
-                        <a:latin typeface="+mj-lt"/>
-                      </a:endParaRPr>
                     </a:p>
                   </a:txBody>
                   <a:tcPr/>
@@ -6464,14 +6435,11 @@
                     <a:p>
                       <a:pPr algn="r"/>
                       <a:r>
-                        <a:rPr lang="en-US" dirty="0" smtClean="0">
+                        <a:rPr lang="en-US" dirty="0">
                           <a:latin typeface="+mj-lt"/>
                         </a:rPr>
                         <a:t>3.783 e5</a:t>
                       </a:r>
-                      <a:endParaRPr lang="en-US" dirty="0">
-                        <a:latin typeface="+mj-lt"/>
-                      </a:endParaRPr>
                     </a:p>
                   </a:txBody>
                   <a:tcPr/>
@@ -6483,13 +6451,13 @@
                     <a:p>
                       <a:pPr algn="r"/>
                       <a:r>
-                        <a:rPr lang="en-US" dirty="0" smtClean="0">
+                        <a:rPr lang="en-US" dirty="0">
                           <a:latin typeface="+mj-lt"/>
                         </a:rPr>
                         <a:t>3.348</a:t>
                       </a:r>
                       <a:r>
-                        <a:rPr lang="en-US" baseline="0" dirty="0" smtClean="0">
+                        <a:rPr lang="en-US" baseline="0" dirty="0">
                           <a:latin typeface="+mj-lt"/>
                         </a:rPr>
                         <a:t> e5</a:t>
@@ -6508,18 +6476,20 @@
                     <a:p>
                       <a:pPr algn="r"/>
                       <a:r>
-                        <a:rPr lang="en-US" dirty="0" smtClean="0">
+                        <a:rPr lang="en-US" dirty="0">
                           <a:latin typeface="+mj-lt"/>
                         </a:rPr>
                         <a:t>12.2%</a:t>
                       </a:r>
-                      <a:endParaRPr lang="en-US" dirty="0">
-                        <a:latin typeface="+mj-lt"/>
-                      </a:endParaRPr>
                     </a:p>
                   </a:txBody>
                   <a:tcPr/>
                 </a:tc>
+                <a:extLst>
+                  <a:ext uri="{0D108BD9-81ED-4DB2-BD59-A6C34878D82A}">
+                    <a16:rowId xmlns:a16="http://schemas.microsoft.com/office/drawing/2014/main" val="10002"/>
+                  </a:ext>
+                </a:extLst>
               </a:tr>
               <a:tr h="370840">
                 <a:tc>
@@ -6528,13 +6498,13 @@
                     <a:lstStyle/>
                     <a:p>
                       <a:r>
-                        <a:rPr lang="en-US" b="1" dirty="0" smtClean="0">
+                        <a:rPr lang="en-US" b="1" dirty="0">
                           <a:latin typeface="+mj-lt"/>
                         </a:rPr>
                         <a:t>Claimed</a:t>
                       </a:r>
                       <a:r>
-                        <a:rPr lang="en-US" b="1" baseline="0" dirty="0" smtClean="0">
+                        <a:rPr lang="en-US" b="1" baseline="0" dirty="0">
                           <a:latin typeface="+mj-lt"/>
                         </a:rPr>
                         <a:t> Sales</a:t>
@@ -6553,14 +6523,11 @@
                     <a:p>
                       <a:pPr algn="r"/>
                       <a:r>
-                        <a:rPr lang="en-US" dirty="0" smtClean="0">
+                        <a:rPr lang="en-US" dirty="0">
                           <a:latin typeface="+mj-lt"/>
                         </a:rPr>
                         <a:t>0.146</a:t>
                       </a:r>
-                      <a:endParaRPr lang="en-US" dirty="0">
-                        <a:latin typeface="+mj-lt"/>
-                      </a:endParaRPr>
                     </a:p>
                   </a:txBody>
                   <a:tcPr/>
@@ -6572,14 +6539,11 @@
                     <a:p>
                       <a:pPr algn="r"/>
                       <a:r>
-                        <a:rPr lang="en-US" dirty="0" smtClean="0">
+                        <a:rPr lang="en-US" dirty="0">
                           <a:latin typeface="+mj-lt"/>
                         </a:rPr>
                         <a:t>0.133</a:t>
                       </a:r>
-                      <a:endParaRPr lang="en-US" dirty="0">
-                        <a:latin typeface="+mj-lt"/>
-                      </a:endParaRPr>
                     </a:p>
                   </a:txBody>
                   <a:tcPr/>
@@ -6591,18 +6555,20 @@
                     <a:p>
                       <a:pPr algn="r"/>
                       <a:r>
-                        <a:rPr lang="en-US" dirty="0" smtClean="0">
+                        <a:rPr lang="en-US" dirty="0">
                           <a:latin typeface="+mj-lt"/>
                         </a:rPr>
                         <a:t>9.37%</a:t>
                       </a:r>
-                      <a:endParaRPr lang="en-US" dirty="0">
-                        <a:latin typeface="+mj-lt"/>
-                      </a:endParaRPr>
                     </a:p>
                   </a:txBody>
                   <a:tcPr/>
                 </a:tc>
+                <a:extLst>
+                  <a:ext uri="{0D108BD9-81ED-4DB2-BD59-A6C34878D82A}">
+                    <a16:rowId xmlns:a16="http://schemas.microsoft.com/office/drawing/2014/main" val="10003"/>
+                  </a:ext>
+                </a:extLst>
               </a:tr>
               <a:tr h="370840">
                 <a:tc>
@@ -6611,13 +6577,13 @@
                     <a:lstStyle/>
                     <a:p>
                       <a:r>
-                        <a:rPr lang="en-US" b="1" dirty="0" smtClean="0">
+                        <a:rPr lang="en-US" b="1" dirty="0">
                           <a:latin typeface="+mj-lt"/>
                         </a:rPr>
                         <a:t>Australia</a:t>
                       </a:r>
                       <a:r>
-                        <a:rPr lang="en-US" b="1" baseline="0" dirty="0" smtClean="0">
+                        <a:rPr lang="en-US" b="1" baseline="0" dirty="0">
                           <a:latin typeface="+mj-lt"/>
                         </a:rPr>
                         <a:t> Sales</a:t>
@@ -6636,14 +6602,11 @@
                     <a:p>
                       <a:pPr algn="r"/>
                       <a:r>
-                        <a:rPr lang="en-US" dirty="0" smtClean="0">
+                        <a:rPr lang="en-US" dirty="0">
                           <a:latin typeface="+mj-lt"/>
                         </a:rPr>
                         <a:t>4.531</a:t>
                       </a:r>
-                      <a:endParaRPr lang="en-US" dirty="0">
-                        <a:latin typeface="+mj-lt"/>
-                      </a:endParaRPr>
                     </a:p>
                   </a:txBody>
                   <a:tcPr/>
@@ -6655,14 +6618,11 @@
                     <a:p>
                       <a:pPr algn="r"/>
                       <a:r>
-                        <a:rPr lang="en-US" dirty="0" smtClean="0">
+                        <a:rPr lang="en-US" dirty="0">
                           <a:latin typeface="+mj-lt"/>
                         </a:rPr>
                         <a:t>6.229</a:t>
                       </a:r>
-                      <a:endParaRPr lang="en-US" dirty="0">
-                        <a:latin typeface="+mj-lt"/>
-                      </a:endParaRPr>
                     </a:p>
                   </a:txBody>
                   <a:tcPr/>
@@ -6674,18 +6634,20 @@
                     <a:p>
                       <a:pPr algn="r"/>
                       <a:r>
-                        <a:rPr lang="en-US" dirty="0" smtClean="0">
+                        <a:rPr lang="en-US" dirty="0">
                           <a:latin typeface="+mj-lt"/>
                         </a:rPr>
                         <a:t>31.56%</a:t>
                       </a:r>
-                      <a:endParaRPr lang="en-US" dirty="0">
-                        <a:latin typeface="+mj-lt"/>
-                      </a:endParaRPr>
                     </a:p>
                   </a:txBody>
                   <a:tcPr/>
                 </a:tc>
+                <a:extLst>
+                  <a:ext uri="{0D108BD9-81ED-4DB2-BD59-A6C34878D82A}">
+                    <a16:rowId xmlns:a16="http://schemas.microsoft.com/office/drawing/2014/main" val="10004"/>
+                  </a:ext>
+                </a:extLst>
               </a:tr>
               <a:tr h="370840">
                 <a:tc>
@@ -6694,14 +6656,11 @@
                     <a:lstStyle/>
                     <a:p>
                       <a:r>
-                        <a:rPr lang="en-US" b="1" dirty="0" smtClean="0">
+                        <a:rPr lang="en-US" b="1" dirty="0">
                           <a:latin typeface="+mj-lt"/>
                         </a:rPr>
                         <a:t>US Sales</a:t>
                       </a:r>
-                      <a:endParaRPr lang="en-US" b="1" dirty="0">
-                        <a:latin typeface="+mj-lt"/>
-                      </a:endParaRPr>
                     </a:p>
                   </a:txBody>
                   <a:tcPr/>
@@ -6713,14 +6672,11 @@
                     <a:p>
                       <a:pPr algn="r"/>
                       <a:r>
-                        <a:rPr lang="en-US" dirty="0" smtClean="0">
+                        <a:rPr lang="en-US" dirty="0">
                           <a:latin typeface="+mj-lt"/>
                         </a:rPr>
                         <a:t>0.779</a:t>
                       </a:r>
-                      <a:endParaRPr lang="en-US" dirty="0">
-                        <a:latin typeface="+mj-lt"/>
-                      </a:endParaRPr>
                     </a:p>
                   </a:txBody>
                   <a:tcPr/>
@@ -6732,14 +6688,11 @@
                     <a:p>
                       <a:pPr algn="r"/>
                       <a:r>
-                        <a:rPr lang="en-US" dirty="0" smtClean="0">
+                        <a:rPr lang="en-US" dirty="0">
                           <a:latin typeface="+mj-lt"/>
                         </a:rPr>
                         <a:t>0.736</a:t>
                       </a:r>
-                      <a:endParaRPr lang="en-US" dirty="0">
-                        <a:latin typeface="+mj-lt"/>
-                      </a:endParaRPr>
                     </a:p>
                   </a:txBody>
                   <a:tcPr/>
@@ -6751,18 +6704,20 @@
                     <a:p>
                       <a:pPr algn="r"/>
                       <a:r>
-                        <a:rPr lang="en-US" dirty="0" smtClean="0">
+                        <a:rPr lang="en-US" dirty="0">
                           <a:latin typeface="+mj-lt"/>
                         </a:rPr>
                         <a:t>5.67%</a:t>
                       </a:r>
-                      <a:endParaRPr lang="en-US" dirty="0">
-                        <a:latin typeface="+mj-lt"/>
-                      </a:endParaRPr>
                     </a:p>
                   </a:txBody>
                   <a:tcPr/>
                 </a:tc>
+                <a:extLst>
+                  <a:ext uri="{0D108BD9-81ED-4DB2-BD59-A6C34878D82A}">
+                    <a16:rowId xmlns:a16="http://schemas.microsoft.com/office/drawing/2014/main" val="10005"/>
+                  </a:ext>
+                </a:extLst>
               </a:tr>
               <a:tr h="370840">
                 <a:tc>
@@ -6770,20 +6725,17 @@
                     <a:bodyPr/>
                     <a:lstStyle/>
                     <a:p>
-                      <a:endParaRPr lang="en-US" b="1" dirty="0" smtClean="0">
+                      <a:endParaRPr lang="en-US" b="1" dirty="0">
                         <a:latin typeface="+mj-lt"/>
                       </a:endParaRPr>
                     </a:p>
                     <a:p>
                       <a:r>
-                        <a:rPr lang="en-US" b="1" dirty="0" smtClean="0">
+                        <a:rPr lang="en-US" b="1" dirty="0">
                           <a:latin typeface="+mj-lt"/>
                         </a:rPr>
                         <a:t>R^2</a:t>
                       </a:r>
-                      <a:endParaRPr lang="en-US" b="1" dirty="0">
-                        <a:latin typeface="+mj-lt"/>
-                      </a:endParaRPr>
                     </a:p>
                   </a:txBody>
                   <a:tcPr/>
@@ -6794,21 +6746,18 @@
                     <a:lstStyle/>
                     <a:p>
                       <a:pPr algn="r"/>
-                      <a:endParaRPr lang="en-US" dirty="0" smtClean="0">
+                      <a:endParaRPr lang="en-US" dirty="0">
                         <a:latin typeface="+mj-lt"/>
                       </a:endParaRPr>
                     </a:p>
                     <a:p>
                       <a:pPr algn="r"/>
                       <a:r>
-                        <a:rPr lang="en-US" dirty="0" smtClean="0">
+                        <a:rPr lang="en-US" dirty="0">
                           <a:latin typeface="+mj-lt"/>
                         </a:rPr>
                         <a:t>0.95</a:t>
                       </a:r>
-                      <a:endParaRPr lang="en-US" dirty="0">
-                        <a:latin typeface="+mj-lt"/>
-                      </a:endParaRPr>
                     </a:p>
                   </a:txBody>
                   <a:tcPr/>
@@ -6819,21 +6768,18 @@
                     <a:lstStyle/>
                     <a:p>
                       <a:pPr algn="r"/>
-                      <a:endParaRPr lang="en-US" dirty="0" smtClean="0">
+                      <a:endParaRPr lang="en-US" dirty="0">
                         <a:latin typeface="+mj-lt"/>
                       </a:endParaRPr>
                     </a:p>
                     <a:p>
                       <a:pPr algn="r"/>
                       <a:r>
-                        <a:rPr lang="en-US" dirty="0" smtClean="0">
+                        <a:rPr lang="en-US" dirty="0">
                           <a:latin typeface="+mj-lt"/>
                         </a:rPr>
                         <a:t>0.95</a:t>
                       </a:r>
-                      <a:endParaRPr lang="en-US" dirty="0">
-                        <a:latin typeface="+mj-lt"/>
-                      </a:endParaRPr>
                     </a:p>
                   </a:txBody>
                   <a:tcPr/>
@@ -6844,25 +6790,27 @@
                     <a:lstStyle/>
                     <a:p>
                       <a:pPr algn="r"/>
-                      <a:endParaRPr lang="en-US" dirty="0" smtClean="0">
+                      <a:endParaRPr lang="en-US" dirty="0">
                         <a:latin typeface="+mj-lt"/>
                       </a:endParaRPr>
                     </a:p>
                     <a:p>
                       <a:pPr algn="r"/>
                       <a:r>
-                        <a:rPr lang="en-US" dirty="0" smtClean="0">
+                        <a:rPr lang="en-US" dirty="0">
                           <a:latin typeface="+mj-lt"/>
                         </a:rPr>
                         <a:t>0%</a:t>
                       </a:r>
-                      <a:endParaRPr lang="en-US" dirty="0">
-                        <a:latin typeface="+mj-lt"/>
-                      </a:endParaRPr>
                     </a:p>
                   </a:txBody>
                   <a:tcPr/>
                 </a:tc>
+                <a:extLst>
+                  <a:ext uri="{0D108BD9-81ED-4DB2-BD59-A6C34878D82A}">
+                    <a16:rowId xmlns:a16="http://schemas.microsoft.com/office/drawing/2014/main" val="10006"/>
+                  </a:ext>
+                </a:extLst>
               </a:tr>
             </a:tbl>
           </a:graphicData>
@@ -6897,13 +6845,7 @@
                   <a:rPr lang="en-US" dirty="0">
                     <a:latin typeface="+mj-lt"/>
                   </a:rPr>
-                  <a:t>T</a:t>
-                </a:r>
-                <a:r>
-                  <a:rPr lang="en-US" dirty="0" smtClean="0">
-                    <a:latin typeface="+mj-lt"/>
-                  </a:rPr>
-                  <a:t>he </a:t>
+                  <a:t>The </a:t>
                 </a:r>
                 <a14:m>
                   <m:oMath xmlns:m="http://schemas.openxmlformats.org/officeDocument/2006/math">
@@ -6911,7 +6853,7 @@
                       <m:sSupPr>
                         <m:ctrlPr>
                           <a:rPr lang="en-US" i="1">
-                            <a:latin typeface="Cambria Math" charset="0"/>
+                            <a:latin typeface="Cambria Math" panose="02040503050406030204" pitchFamily="18" charset="0"/>
                           </a:rPr>
                         </m:ctrlPr>
                       </m:sSupPr>
@@ -6935,7 +6877,7 @@
                   </m:oMath>
                 </a14:m>
                 <a:r>
-                  <a:rPr lang="en-US" dirty="0" smtClean="0">
+                  <a:rPr lang="en-US" dirty="0">
                     <a:latin typeface="+mj-lt"/>
                   </a:rPr>
                   <a:t> values are identical.</a:t>
@@ -6947,18 +6889,12 @@
                   <a:rPr lang="en-US" dirty="0">
                     <a:latin typeface="+mj-lt"/>
                   </a:rPr>
-                  <a:t>T</a:t>
-                </a:r>
-                <a:r>
-                  <a:rPr lang="en-US" dirty="0" smtClean="0">
-                    <a:latin typeface="+mj-lt"/>
-                  </a:rPr>
-                  <a:t>he coefficients do not vary much.</a:t>
+                  <a:t>The coefficients do not vary much.</a:t>
                 </a:r>
               </a:p>
               <a:p>
                 <a:pPr algn="r"/>
-                <a:endParaRPr lang="en-US" dirty="0" smtClean="0">
+                <a:endParaRPr lang="en-US" dirty="0">
                   <a:latin typeface="+mj-lt"/>
                 </a:endParaRPr>
               </a:p>
@@ -7014,13 +6950,6 @@
   <p:clrMapOvr>
     <a:masterClrMapping/>
   </p:clrMapOvr>
-  <p:timing>
-    <p:tnLst>
-      <p:par>
-        <p:cTn id="1" dur="indefinite" restart="never" nodeType="tmRoot"/>
-      </p:par>
-    </p:tnLst>
-  </p:timing>
 </p:sld>
 </file>
 
@@ -7064,82 +6993,42 @@
           <a:lstStyle/>
           <a:p>
             <a:pPr algn="l"/>
-            <a:r>
-              <a:rPr lang="en-US" dirty="0" smtClean="0"/>
-              <a:t/>
-            </a:r>
-            <a:br>
-              <a:rPr lang="en-US" dirty="0" smtClean="0"/>
-            </a:br>
-            <a:r>
-              <a:rPr lang="en-US" dirty="0"/>
-              <a:t/>
-            </a:r>
             <a:br>
               <a:rPr lang="en-US" dirty="0"/>
             </a:br>
-            <a:r>
-              <a:rPr lang="en-US" dirty="0" smtClean="0"/>
-              <a:t/>
-            </a:r>
-            <a:br>
-              <a:rPr lang="en-US" dirty="0" smtClean="0"/>
-            </a:br>
-            <a:r>
-              <a:rPr lang="en-US" dirty="0"/>
-              <a:t/>
-            </a:r>
             <a:br>
               <a:rPr lang="en-US" dirty="0"/>
             </a:br>
-            <a:r>
-              <a:rPr lang="en-US" dirty="0" smtClean="0"/>
-              <a:t/>
-            </a:r>
             <a:br>
-              <a:rPr lang="en-US" dirty="0" smtClean="0"/>
+              <a:rPr lang="en-US" dirty="0"/>
             </a:br>
-            <a:r>
-              <a:rPr lang="en-US" sz="2000" dirty="0"/>
-              <a:t/>
-            </a:r>
+            <a:br>
+              <a:rPr lang="en-US" dirty="0"/>
+            </a:br>
+            <a:br>
+              <a:rPr lang="en-US" dirty="0"/>
+            </a:br>
             <a:br>
               <a:rPr lang="en-US" sz="2000" dirty="0"/>
             </a:br>
-            <a:r>
-              <a:rPr lang="en-US" sz="2000" dirty="0" smtClean="0"/>
-              <a:t/>
-            </a:r>
             <a:br>
-              <a:rPr lang="en-US" sz="2000" dirty="0" smtClean="0"/>
+              <a:rPr lang="en-US" sz="2000" dirty="0"/>
             </a:br>
-            <a:r>
-              <a:rPr lang="en-US" sz="2000" dirty="0" smtClean="0"/>
-              <a:t/>
-            </a:r>
             <a:br>
-              <a:rPr lang="en-US" sz="2000" dirty="0" smtClean="0"/>
+              <a:rPr lang="en-US" sz="2000" dirty="0"/>
             </a:br>
             <a:r>
-              <a:rPr lang="en-US" sz="2000" dirty="0" err="1" smtClean="0"/>
+              <a:rPr lang="en-US" sz="2000" dirty="0" err="1"/>
               <a:t>Sklearn</a:t>
             </a:r>
-            <a:r>
-              <a:rPr lang="en-US" sz="2000" dirty="0" smtClean="0"/>
-              <a:t/>
-            </a:r>
             <a:br>
-              <a:rPr lang="en-US" sz="2000" dirty="0" smtClean="0"/>
+              <a:rPr lang="en-US" sz="2000" dirty="0"/>
             </a:br>
-            <a:r>
-              <a:rPr lang="en-US" sz="2000" dirty="0" smtClean="0"/>
-              <a:t/>
-            </a:r>
             <a:br>
-              <a:rPr lang="en-US" sz="2000" dirty="0" smtClean="0"/>
+              <a:rPr lang="en-US" sz="2000" dirty="0"/>
             </a:br>
             <a:r>
-              <a:rPr lang="en-US" sz="2000" dirty="0" err="1" smtClean="0"/>
+              <a:rPr lang="en-US" sz="2000" dirty="0" err="1"/>
               <a:t>Statsmodels</a:t>
             </a:r>
             <a:endParaRPr lang="en-US" dirty="0"/>
@@ -7170,8 +7059,8 @@
         </p:blipFill>
         <p:spPr>
           <a:xfrm>
-            <a:off x="5700718" y="428223"/>
-            <a:ext cx="6069012" cy="6000358"/>
+            <a:off x="5499100" y="621506"/>
+            <a:ext cx="5613400" cy="5549900"/>
           </a:xfrm>
         </p:spPr>
       </p:pic>
@@ -7358,13 +7247,6 @@
   <p:clrMapOvr>
     <a:masterClrMapping/>
   </p:clrMapOvr>
-  <p:timing>
-    <p:tnLst>
-      <p:par>
-        <p:cTn id="1" dur="indefinite" restart="never" nodeType="tmRoot"/>
-      </p:par>
-    </p:tnLst>
-  </p:timing>
 </p:sld>
 </file>
 
@@ -7395,22 +7277,16 @@
             <p:ph type="title"/>
           </p:nvPr>
         </p:nvSpPr>
-        <p:spPr>
-          <a:xfrm>
-            <a:off x="762000" y="559678"/>
-            <a:ext cx="3833906" cy="4952492"/>
-          </a:xfrm>
-        </p:spPr>
+        <p:spPr/>
         <p:txBody>
           <a:bodyPr/>
           <a:lstStyle/>
           <a:p>
             <a:pPr algn="l"/>
             <a:r>
-              <a:rPr lang="en-US" dirty="0" smtClean="0"/>
+              <a:rPr lang="en-US" dirty="0"/>
               <a:t>Residuals</a:t>
             </a:r>
-            <a:endParaRPr lang="en-US" dirty="0"/>
           </a:p>
         </p:txBody>
       </p:sp>
@@ -7527,7 +7403,7 @@
           <a:lstStyle/>
           <a:p>
             <a:r>
-              <a:rPr lang="en-US" dirty="0" err="1" smtClean="0"/>
+              <a:rPr lang="en-US" dirty="0" err="1"/>
               <a:t>statsmodels</a:t>
             </a:r>
             <a:endParaRPr lang="en-US" dirty="0"/>
@@ -7557,7 +7433,7 @@
           <a:lstStyle/>
           <a:p>
             <a:r>
-              <a:rPr lang="en-US" dirty="0" err="1" smtClean="0"/>
+              <a:rPr lang="en-US" dirty="0" err="1"/>
               <a:t>sklearn</a:t>
             </a:r>
             <a:endParaRPr lang="en-US" dirty="0"/>
@@ -7604,13 +7480,6 @@
   <p:clrMapOvr>
     <a:masterClrMapping/>
   </p:clrMapOvr>
-  <p:timing>
-    <p:tnLst>
-      <p:par>
-        <p:cTn id="1" dur="indefinite" restart="never" nodeType="tmRoot"/>
-      </p:par>
-    </p:tnLst>
-  </p:timing>
 </p:sld>
 </file>
 
@@ -7648,10 +7517,9 @@
           <a:p>
             <a:pPr algn="l"/>
             <a:r>
-              <a:rPr lang="en-US" dirty="0" smtClean="0"/>
+              <a:rPr lang="en-US" dirty="0"/>
               <a:t>Overall</a:t>
             </a:r>
-            <a:endParaRPr lang="en-US" dirty="0"/>
           </a:p>
         </p:txBody>
       </p:sp>
@@ -7676,19 +7544,19 @@
           <a:lstStyle/>
           <a:p>
             <a:r>
-              <a:rPr lang="en-US" dirty="0" smtClean="0">
+              <a:rPr lang="en-US" dirty="0">
                 <a:latin typeface="+mj-lt"/>
               </a:rPr>
               <a:t>The </a:t>
             </a:r>
             <a:r>
-              <a:rPr lang="en-US" dirty="0" err="1" smtClean="0">
+              <a:rPr lang="en-US" dirty="0" err="1">
                 <a:latin typeface="+mj-lt"/>
               </a:rPr>
               <a:t>statsmodels</a:t>
             </a:r>
             <a:r>
-              <a:rPr lang="en-US" dirty="0" smtClean="0">
+              <a:rPr lang="en-US" dirty="0">
                 <a:latin typeface="+mj-lt"/>
               </a:rPr>
               <a:t> model is more accurate</a:t>
@@ -7700,26 +7568,17 @@
               <a:rPr lang="en-US" dirty="0">
                 <a:latin typeface="+mj-lt"/>
               </a:rPr>
-              <a:t>(</a:t>
-            </a:r>
-            <a:r>
-              <a:rPr lang="en-US" dirty="0" smtClean="0">
-                <a:latin typeface="+mj-lt"/>
-              </a:rPr>
-              <a:t>relatively accurate until you get to super groups like the Beatles.)</a:t>
-            </a:r>
+              <a:t>(relatively accurate until you get to super groups like the Beatles.)</a:t>
+            </a:r>
+          </a:p>
+          <a:p>
             <a:endParaRPr lang="en-US" dirty="0">
               <a:latin typeface="+mj-lt"/>
             </a:endParaRPr>
           </a:p>
           <a:p>
-            <a:endParaRPr lang="en-US" dirty="0" smtClean="0">
-              <a:latin typeface="+mj-lt"/>
-            </a:endParaRPr>
-          </a:p>
-          <a:p>
-            <a:r>
-              <a:rPr lang="en-US" dirty="0" smtClean="0">
+            <a:r>
+              <a:rPr lang="en-US" dirty="0">
                 <a:latin typeface="+mj-lt"/>
               </a:rPr>
               <a:t>Being popular in Australia and the US is a good indicator that your band will do well overall.</a:t>
@@ -7732,14 +7591,11 @@
           </a:p>
           <a:p>
             <a:r>
-              <a:rPr lang="en-US" dirty="0" smtClean="0">
+              <a:rPr lang="en-US" dirty="0">
                 <a:latin typeface="+mj-lt"/>
               </a:rPr>
               <a:t>If you want your band to gain popularity, focus advertising in the US and Australia </a:t>
             </a:r>
-            <a:endParaRPr lang="en-US" dirty="0">
-              <a:latin typeface="+mj-lt"/>
-            </a:endParaRPr>
           </a:p>
         </p:txBody>
       </p:sp>
@@ -7753,13 +7609,6 @@
   <p:clrMapOvr>
     <a:masterClrMapping/>
   </p:clrMapOvr>
-  <p:timing>
-    <p:tnLst>
-      <p:par>
-        <p:cTn id="1" dur="indefinite" restart="never" nodeType="tmRoot"/>
-      </p:par>
-    </p:tnLst>
-  </p:timing>
 </p:sld>
 </file>
 
@@ -7797,10 +7646,9 @@
           <a:p>
             <a:pPr algn="l"/>
             <a:r>
-              <a:rPr lang="en-US" dirty="0" smtClean="0"/>
+              <a:rPr lang="en-US" dirty="0"/>
               <a:t>Questions?</a:t>
             </a:r>
-            <a:endParaRPr lang="en-US" dirty="0"/>
           </a:p>
         </p:txBody>
       </p:sp>
@@ -7814,13 +7662,6 @@
   <p:clrMapOvr>
     <a:masterClrMapping/>
   </p:clrMapOvr>
-  <p:timing>
-    <p:tnLst>
-      <p:par>
-        <p:cTn id="1" dur="indefinite" restart="never" nodeType="tmRoot"/>
-      </p:par>
-    </p:tnLst>
-  </p:timing>
 </p:sld>
 </file>
 
@@ -7858,10 +7699,9 @@
           <a:p>
             <a:pPr algn="l"/>
             <a:r>
-              <a:rPr lang="en-US" dirty="0" smtClean="0"/>
+              <a:rPr lang="en-US" dirty="0"/>
               <a:t>Individual features</a:t>
             </a:r>
-            <a:endParaRPr lang="en-US" dirty="0"/>
           </a:p>
         </p:txBody>
       </p:sp>
@@ -7995,13 +7835,6 @@
   <p:clrMapOvr>
     <a:masterClrMapping/>
   </p:clrMapOvr>
-  <p:timing>
-    <p:tnLst>
-      <p:par>
-        <p:cTn id="1" dur="indefinite" restart="never" nodeType="tmRoot"/>
-      </p:par>
-    </p:tnLst>
-  </p:timing>
 </p:sld>
 </file>
 
@@ -8073,10 +7906,9 @@
           <a:p>
             <a:pPr algn="l"/>
             <a:r>
-              <a:rPr lang="en-US" dirty="0" smtClean="0"/>
+              <a:rPr lang="en-US" dirty="0"/>
               <a:t>Formatting the Data</a:t>
             </a:r>
-            <a:endParaRPr lang="en-US" dirty="0"/>
           </a:p>
         </p:txBody>
       </p:sp>
@@ -8132,14 +7964,11 @@
           <a:lstStyle/>
           <a:p>
             <a:r>
-              <a:rPr lang="en-US" sz="2000" dirty="0" smtClean="0">
+              <a:rPr lang="en-US" sz="2000" dirty="0">
                 <a:latin typeface="+mj-lt"/>
               </a:rPr>
               <a:t>89 rows x 29 columns</a:t>
             </a:r>
-            <a:endParaRPr lang="en-US" sz="2000" dirty="0">
-              <a:latin typeface="+mj-lt"/>
-            </a:endParaRPr>
           </a:p>
         </p:txBody>
       </p:sp>
@@ -8153,13 +7982,6 @@
   <p:clrMapOvr>
     <a:masterClrMapping/>
   </p:clrMapOvr>
-  <p:timing>
-    <p:tnLst>
-      <p:par>
-        <p:cTn id="1" dur="indefinite" restart="never" nodeType="tmRoot"/>
-      </p:par>
-    </p:tnLst>
-  </p:timing>
 </p:sld>
 </file>
 
@@ -8202,10 +8024,9 @@
           <a:p>
             <a:pPr algn="ctr"/>
             <a:r>
-              <a:rPr lang="en-US" dirty="0" smtClean="0"/>
+              <a:rPr lang="en-US" dirty="0"/>
               <a:t>Can we predict how many albums an artist will sell globally? </a:t>
             </a:r>
-            <a:endParaRPr lang="en-US" dirty="0"/>
           </a:p>
         </p:txBody>
       </p:sp>
@@ -8232,14 +8053,11 @@
           <a:lstStyle/>
           <a:p>
             <a:r>
-              <a:rPr lang="en-US" sz="2000" dirty="0" smtClean="0">
+              <a:rPr lang="en-US" sz="2000" dirty="0">
                 <a:latin typeface="+mj-lt"/>
               </a:rPr>
               <a:t>Yes. </a:t>
             </a:r>
-            <a:endParaRPr lang="en-US" sz="2000" dirty="0">
-              <a:latin typeface="+mj-lt"/>
-            </a:endParaRPr>
           </a:p>
         </p:txBody>
       </p:sp>
@@ -8253,13 +8071,6 @@
   <p:clrMapOvr>
     <a:masterClrMapping/>
   </p:clrMapOvr>
-  <p:timing>
-    <p:tnLst>
-      <p:par>
-        <p:cTn id="1" dur="indefinite" restart="never" nodeType="tmRoot"/>
-      </p:par>
-    </p:tnLst>
-  </p:timing>
 </p:sld>
 </file>
 
@@ -8302,45 +8113,38 @@
           <a:p>
             <a:pPr algn="l"/>
             <a:r>
-              <a:rPr lang="en-US" smtClean="0"/>
+              <a:rPr lang="en-US"/>
               <a:t>Data </a:t>
-            </a:r>
-            <a:r>
-              <a:rPr lang="en-US" dirty="0" smtClean="0"/>
-              <a:t/>
-            </a:r>
-            <a:br>
-              <a:rPr lang="en-US" dirty="0" smtClean="0"/>
-            </a:br>
-            <a:r>
-              <a:rPr lang="en-US" dirty="0"/>
-              <a:t/>
             </a:r>
             <a:br>
               <a:rPr lang="en-US" dirty="0"/>
             </a:br>
-            <a:r>
-              <a:rPr lang="en-US" sz="4000" dirty="0" smtClean="0"/>
+            <a:br>
+              <a:rPr lang="en-US" dirty="0"/>
+            </a:br>
+            <a:r>
+              <a:rPr lang="en-US" sz="4000" dirty="0"/>
               <a:t>Scraping</a:t>
             </a:r>
             <a:br>
-              <a:rPr lang="en-US" sz="4000" dirty="0" smtClean="0"/>
+              <a:rPr lang="en-US" sz="4000" dirty="0"/>
             </a:br>
             <a:r>
-              <a:rPr lang="en-US" sz="4000" dirty="0" smtClean="0"/>
+              <a:rPr lang="en-US" sz="4000" dirty="0"/>
               <a:t>Wikipedia</a:t>
             </a:r>
-            <a:endParaRPr lang="en-US" sz="4000" dirty="0"/>
           </a:p>
         </p:txBody>
       </p:sp>
       <p:pic>
         <p:nvPicPr>
-          <p:cNvPr id="5" name="Picture 4"/>
+          <p:cNvPr id="4" name="Content Placeholder 3"/>
           <p:cNvPicPr>
-            <a:picLocks noChangeAspect="1"/>
+            <a:picLocks noGrp="1" noChangeAspect="1"/>
           </p:cNvPicPr>
-          <p:nvPr/>
+          <p:nvPr>
+            <p:ph idx="1"/>
+          </p:nvPr>
         </p:nvPicPr>
         <p:blipFill>
           <a:blip r:embed="rId3">
@@ -8356,23 +8160,18 @@
         </p:blipFill>
         <p:spPr>
           <a:xfrm>
-            <a:off x="3805547" y="531611"/>
-            <a:ext cx="10058400" cy="5918608"/>
-          </a:xfrm>
-          <a:prstGeom prst="rect">
-            <a:avLst/>
-          </a:prstGeom>
+            <a:off x="9155681" y="251566"/>
+            <a:ext cx="4708266" cy="6198653"/>
+          </a:xfrm>
         </p:spPr>
       </p:pic>
       <p:pic>
         <p:nvPicPr>
-          <p:cNvPr id="4" name="Content Placeholder 3"/>
+          <p:cNvPr id="5" name="Picture 4"/>
           <p:cNvPicPr>
-            <a:picLocks noGrp="1" noChangeAspect="1"/>
+            <a:picLocks noChangeAspect="1"/>
           </p:cNvPicPr>
-          <p:nvPr>
-            <p:ph idx="1"/>
-          </p:nvPr>
+          <p:nvPr/>
         </p:nvPicPr>
         <p:blipFill>
           <a:blip r:embed="rId4">
@@ -8388,9 +8187,12 @@
         </p:blipFill>
         <p:spPr>
           <a:xfrm>
-            <a:off x="9155681" y="251566"/>
-            <a:ext cx="4708266" cy="6198653"/>
-          </a:xfrm>
+            <a:off x="3805547" y="531611"/>
+            <a:ext cx="10058400" cy="5918608"/>
+          </a:xfrm>
+          <a:prstGeom prst="rect">
+            <a:avLst/>
+          </a:prstGeom>
         </p:spPr>
       </p:pic>
     </p:spTree>
@@ -8403,13 +8205,6 @@
   <p:clrMapOvr>
     <a:masterClrMapping/>
   </p:clrMapOvr>
-  <p:timing>
-    <p:tnLst>
-      <p:par>
-        <p:cTn id="1" dur="indefinite" restart="never" nodeType="tmRoot"/>
-      </p:par>
-    </p:tnLst>
-  </p:timing>
 </p:sld>
 </file>
 
@@ -8481,10 +8276,9 @@
           <a:p>
             <a:pPr algn="l"/>
             <a:r>
-              <a:rPr lang="en-US" dirty="0" smtClean="0"/>
+              <a:rPr lang="en-US" dirty="0"/>
               <a:t>Formatting the Data</a:t>
             </a:r>
-            <a:endParaRPr lang="en-US" dirty="0"/>
           </a:p>
         </p:txBody>
       </p:sp>
@@ -8515,7 +8309,7 @@
               <a:buChar char="•"/>
             </a:pPr>
             <a:r>
-              <a:rPr lang="en-US" sz="2000" dirty="0" smtClean="0">
+              <a:rPr lang="en-US" sz="2000" dirty="0">
                 <a:latin typeface="+mj-lt"/>
               </a:rPr>
               <a:t>Cull the features</a:t>
@@ -8535,7 +8329,7 @@
               <a:buFont typeface="Arial" charset="0"/>
               <a:buChar char="•"/>
             </a:pPr>
-            <a:endParaRPr lang="en-US" sz="1050" dirty="0" smtClean="0">
+            <a:endParaRPr lang="en-US" sz="1050" dirty="0">
               <a:latin typeface="+mj-lt"/>
             </a:endParaRPr>
           </a:p>
@@ -8545,7 +8339,7 @@
               <a:buChar char="•"/>
             </a:pPr>
             <a:r>
-              <a:rPr lang="en-US" sz="2000" dirty="0" smtClean="0">
+              <a:rPr lang="en-US" sz="2000" dirty="0">
                 <a:latin typeface="+mj-lt"/>
               </a:rPr>
               <a:t>Only include data that:</a:t>
@@ -8560,13 +8354,7 @@
               <a:rPr lang="en-US" sz="2000" dirty="0">
                 <a:latin typeface="+mj-lt"/>
               </a:rPr>
-              <a:t>H</a:t>
-            </a:r>
-            <a:r>
-              <a:rPr lang="en-US" sz="2000" dirty="0" smtClean="0">
-                <a:latin typeface="+mj-lt"/>
-              </a:rPr>
-              <a:t>as more than 70 responses</a:t>
+              <a:t>Has more than 70 responses</a:t>
             </a:r>
           </a:p>
           <a:p>
@@ -8575,7 +8363,7 @@
               <a:buChar char="•"/>
             </a:pPr>
             <a:r>
-              <a:rPr lang="en-US" sz="2000" dirty="0" smtClean="0">
+              <a:rPr lang="en-US" sz="2000" dirty="0">
                 <a:latin typeface="+mj-lt"/>
               </a:rPr>
               <a:t>Is numerical</a:t>
@@ -8628,13 +8416,6 @@
   <p:clrMapOvr>
     <a:masterClrMapping/>
   </p:clrMapOvr>
-  <p:timing>
-    <p:tnLst>
-      <p:par>
-        <p:cTn id="1" dur="indefinite" restart="never" nodeType="tmRoot"/>
-      </p:par>
-    </p:tnLst>
-  </p:timing>
 </p:sld>
 </file>
 
@@ -8672,18 +8453,9 @@
           <a:p>
             <a:pPr algn="l"/>
             <a:r>
-              <a:rPr lang="en-US" dirty="0" smtClean="0"/>
-              <a:t>Finding </a:t>
-            </a:r>
-            <a:r>
               <a:rPr lang="en-US" dirty="0"/>
-              <a:t>C</a:t>
-            </a:r>
-            <a:r>
-              <a:rPr lang="en-US" dirty="0" smtClean="0"/>
-              <a:t>orrelations</a:t>
-            </a:r>
-            <a:endParaRPr lang="en-US" dirty="0"/>
+              <a:t>Finding Correlations</a:t>
+            </a:r>
           </a:p>
         </p:txBody>
       </p:sp>
@@ -8711,8 +8483,8 @@
         </p:blipFill>
         <p:spPr>
           <a:xfrm>
-            <a:off x="5320145" y="-1"/>
-            <a:ext cx="6871855" cy="6847945"/>
+            <a:off x="5467794" y="568325"/>
+            <a:ext cx="5676012" cy="5656263"/>
           </a:xfrm>
         </p:spPr>
       </p:pic>
@@ -8756,13 +8528,6 @@
   <p:clrMapOvr>
     <a:masterClrMapping/>
   </p:clrMapOvr>
-  <p:timing>
-    <p:tnLst>
-      <p:par>
-        <p:cTn id="1" dur="indefinite" restart="never" nodeType="tmRoot"/>
-      </p:par>
-    </p:tnLst>
-  </p:timing>
 </p:sld>
 </file>
 
@@ -8800,18 +8565,9 @@
           <a:p>
             <a:pPr algn="l"/>
             <a:r>
-              <a:rPr lang="en-US" dirty="0" smtClean="0"/>
-              <a:t>Finding </a:t>
-            </a:r>
-            <a:r>
               <a:rPr lang="en-US" dirty="0"/>
-              <a:t>C</a:t>
-            </a:r>
-            <a:r>
-              <a:rPr lang="en-US" dirty="0" smtClean="0"/>
-              <a:t>orrelations</a:t>
-            </a:r>
-            <a:endParaRPr lang="en-US" dirty="0"/>
+              <a:t>Finding Correlations</a:t>
+            </a:r>
           </a:p>
         </p:txBody>
       </p:sp>
@@ -8839,8 +8595,8 @@
         </p:blipFill>
         <p:spPr>
           <a:xfrm>
-            <a:off x="5320145" y="-1"/>
-            <a:ext cx="6871855" cy="6847945"/>
+            <a:off x="5467794" y="568325"/>
+            <a:ext cx="5676012" cy="5656263"/>
           </a:xfrm>
         </p:spPr>
       </p:pic>
@@ -8917,10 +8673,9 @@
           <a:p>
             <a:pPr algn="ctr"/>
             <a:r>
-              <a:rPr lang="en-US" dirty="0" smtClean="0"/>
+              <a:rPr lang="en-US" dirty="0"/>
               <a:t>c</a:t>
             </a:r>
-            <a:endParaRPr lang="en-US" dirty="0"/>
           </a:p>
         </p:txBody>
       </p:sp>
@@ -8967,10 +8722,9 @@
           <a:p>
             <a:pPr algn="ctr"/>
             <a:r>
-              <a:rPr lang="en-US" dirty="0" smtClean="0"/>
+              <a:rPr lang="en-US" dirty="0"/>
               <a:t>c</a:t>
             </a:r>
-            <a:endParaRPr lang="en-US" dirty="0"/>
           </a:p>
         </p:txBody>
       </p:sp>
@@ -9017,10 +8771,9 @@
           <a:p>
             <a:pPr algn="ctr"/>
             <a:r>
-              <a:rPr lang="en-US" dirty="0" smtClean="0"/>
+              <a:rPr lang="en-US" dirty="0"/>
               <a:t>c</a:t>
             </a:r>
-            <a:endParaRPr lang="en-US" dirty="0"/>
           </a:p>
         </p:txBody>
       </p:sp>
@@ -9034,13 +8787,6 @@
   <p:clrMapOvr>
     <a:masterClrMapping/>
   </p:clrMapOvr>
-  <p:timing>
-    <p:tnLst>
-      <p:par>
-        <p:cTn id="1" dur="indefinite" restart="never" nodeType="tmRoot"/>
-      </p:par>
-    </p:tnLst>
-  </p:timing>
 </p:sld>
 </file>
 
@@ -9078,18 +8824,9 @@
           <a:p>
             <a:pPr algn="l"/>
             <a:r>
-              <a:rPr lang="en-US" dirty="0" smtClean="0"/>
-              <a:t>Fitting a Linear </a:t>
-            </a:r>
-            <a:r>
               <a:rPr lang="en-US" dirty="0"/>
-              <a:t>R</a:t>
-            </a:r>
-            <a:r>
-              <a:rPr lang="en-US" dirty="0" smtClean="0"/>
-              <a:t>egression</a:t>
-            </a:r>
-            <a:endParaRPr lang="en-US" dirty="0"/>
+              <a:t>Fitting a Linear Regression</a:t>
+            </a:r>
           </a:p>
         </p:txBody>
       </p:sp>
@@ -9120,34 +8857,10 @@
               <a:buAutoNum type="arabicPeriod"/>
             </a:pPr>
             <a:r>
-              <a:rPr lang="en-US" sz="2000" dirty="0" smtClean="0">
+              <a:rPr lang="en-US" sz="2000" dirty="0">
                 <a:latin typeface="+mj-lt"/>
               </a:rPr>
               <a:t>Year of First Album Release</a:t>
-            </a:r>
-            <a:endParaRPr lang="en-US" sz="2000" dirty="0">
-              <a:latin typeface="+mj-lt"/>
-            </a:endParaRPr>
-          </a:p>
-          <a:p>
-            <a:pPr marL="914400" lvl="1" indent="-457200">
-              <a:buFont typeface="+mj-lt"/>
-              <a:buAutoNum type="arabicPeriod"/>
-            </a:pPr>
-            <a:endParaRPr lang="en-US" sz="2000" dirty="0" smtClean="0">
-              <a:latin typeface="+mj-lt"/>
-            </a:endParaRPr>
-          </a:p>
-          <a:p>
-            <a:pPr marL="914400" lvl="1" indent="-457200">
-              <a:buFont typeface="+mj-lt"/>
-              <a:buAutoNum type="arabicPeriod"/>
-            </a:pPr>
-            <a:r>
-              <a:rPr lang="en-US" sz="2000" dirty="0" smtClean="0">
-                <a:latin typeface="+mj-lt"/>
-              </a:rPr>
-              <a:t>Albums sold, according to Artist</a:t>
             </a:r>
           </a:p>
           <a:p>
@@ -9165,10 +8878,10 @@
               <a:buAutoNum type="arabicPeriod"/>
             </a:pPr>
             <a:r>
-              <a:rPr lang="en-US" sz="2000" dirty="0" smtClean="0">
+              <a:rPr lang="en-US" sz="2000" dirty="0">
                 <a:latin typeface="+mj-lt"/>
               </a:rPr>
-              <a:t>US album sales</a:t>
+              <a:t>Albums sold, according to Artist</a:t>
             </a:r>
           </a:p>
           <a:p>
@@ -9186,7 +8899,28 @@
               <a:buAutoNum type="arabicPeriod"/>
             </a:pPr>
             <a:r>
-              <a:rPr lang="en-US" sz="2000" dirty="0" smtClean="0">
+              <a:rPr lang="en-US" sz="2000" dirty="0">
+                <a:latin typeface="+mj-lt"/>
+              </a:rPr>
+              <a:t>US album sales</a:t>
+            </a:r>
+          </a:p>
+          <a:p>
+            <a:pPr marL="914400" lvl="1" indent="-457200">
+              <a:buFont typeface="+mj-lt"/>
+              <a:buAutoNum type="arabicPeriod"/>
+            </a:pPr>
+            <a:endParaRPr lang="en-US" sz="2000" dirty="0">
+              <a:latin typeface="+mj-lt"/>
+            </a:endParaRPr>
+          </a:p>
+          <a:p>
+            <a:pPr marL="914400" lvl="1" indent="-457200">
+              <a:buFont typeface="+mj-lt"/>
+              <a:buAutoNum type="arabicPeriod"/>
+            </a:pPr>
+            <a:r>
+              <a:rPr lang="en-US" sz="2000" dirty="0">
                 <a:latin typeface="+mj-lt"/>
               </a:rPr>
               <a:t>AUS album sales</a:t>
@@ -9218,7 +8952,7 @@
           <a:p>
             <a:pPr algn="ctr"/>
             <a:r>
-              <a:rPr lang="en-US" sz="2000" dirty="0" smtClean="0">
+              <a:rPr lang="en-US" sz="2000" dirty="0">
                 <a:latin typeface="+mj-lt"/>
               </a:rPr>
               <a:t>Total </a:t>
@@ -9227,7 +8961,7 @@
           <a:p>
             <a:pPr algn="ctr"/>
             <a:r>
-              <a:rPr lang="en-US" sz="2000" dirty="0" smtClean="0">
+              <a:rPr lang="en-US" sz="2000" dirty="0">
                 <a:latin typeface="+mj-lt"/>
               </a:rPr>
               <a:t>Album Sales</a:t>
@@ -9259,7 +8993,7 @@
           <a:p>
             <a:pPr lvl="1"/>
             <a:r>
-              <a:rPr lang="en-US" sz="2000" b="1" i="1" dirty="0" smtClean="0">
+              <a:rPr lang="en-US" sz="2000" b="1" i="1" dirty="0">
                 <a:latin typeface="+mj-lt"/>
               </a:rPr>
               <a:t>Model will use:</a:t>
@@ -9291,12 +9025,12 @@
           <a:p>
             <a:pPr lvl="1"/>
             <a:r>
-              <a:rPr lang="en-US" sz="2000" b="1" i="1" smtClean="0">
+              <a:rPr lang="en-US" sz="2000" b="1" i="1">
                 <a:latin typeface="+mj-lt"/>
               </a:rPr>
               <a:t>To Predict:</a:t>
             </a:r>
-            <a:endParaRPr lang="en-US" sz="2000" b="1" i="1" dirty="0" smtClean="0">
+            <a:endParaRPr lang="en-US" sz="2000" b="1" i="1" dirty="0">
               <a:latin typeface="+mj-lt"/>
             </a:endParaRPr>
           </a:p>
@@ -9394,13 +9128,6 @@
   <p:clrMapOvr>
     <a:masterClrMapping/>
   </p:clrMapOvr>
-  <p:timing>
-    <p:tnLst>
-      <p:par>
-        <p:cTn id="1" dur="indefinite" restart="never" nodeType="tmRoot"/>
-      </p:par>
-    </p:tnLst>
-  </p:timing>
 </p:sld>
 </file>
 
@@ -9438,10 +9165,9 @@
           <a:p>
             <a:pPr algn="l"/>
             <a:r>
-              <a:rPr lang="en-US" dirty="0" smtClean="0"/>
+              <a:rPr lang="en-US" dirty="0"/>
               <a:t>Results</a:t>
             </a:r>
-            <a:endParaRPr lang="en-US" dirty="0"/>
           </a:p>
         </p:txBody>
       </p:sp>
@@ -9514,13 +9240,6 @@
   <p:clrMapOvr>
     <a:masterClrMapping/>
   </p:clrMapOvr>
-  <p:timing>
-    <p:tnLst>
-      <p:par>
-        <p:cTn id="1" dur="indefinite" restart="never" nodeType="tmRoot"/>
-      </p:par>
-    </p:tnLst>
-  </p:timing>
 </p:sld>
 </file>
 
@@ -9558,10 +9277,9 @@
           <a:p>
             <a:pPr algn="l"/>
             <a:r>
-              <a:rPr lang="en-US" dirty="0" smtClean="0"/>
+              <a:rPr lang="en-US" dirty="0"/>
               <a:t>Results</a:t>
             </a:r>
-            <a:endParaRPr lang="en-US" dirty="0"/>
           </a:p>
         </p:txBody>
       </p:sp>
@@ -9772,13 +9490,6 @@
   <p:clrMapOvr>
     <a:masterClrMapping/>
   </p:clrMapOvr>
-  <p:timing>
-    <p:tnLst>
-      <p:par>
-        <p:cTn id="1" dur="indefinite" restart="never" nodeType="tmRoot"/>
-      </p:par>
-    </p:tnLst>
-  </p:timing>
 </p:sld>
 </file>
 
